--- a/presentation-source/16-conclusions.pptx
+++ b/presentation-source/16-conclusions.pptx
@@ -24,19 +24,16 @@
     <p:sldId id="269" r:id="rId19"/>
     <p:sldId id="270" r:id="rId20"/>
     <p:sldId id="271" r:id="rId21"/>
-    <p:sldId id="272" r:id="rId22"/>
-    <p:sldId id="273" r:id="rId23"/>
-    <p:sldId id="274" r:id="rId24"/>
   </p:sldIdLst>
   <p:sldSz cy="6858000" cx="9144000"/>
   <p:notesSz cx="6858000" cy="9144000"/>
   <p:embeddedFontLst>
     <p:embeddedFont>
       <p:font typeface="Montserrat"/>
-      <p:regular r:id="rId25"/>
-      <p:bold r:id="rId26"/>
-      <p:italic r:id="rId27"/>
-      <p:boldItalic r:id="rId28"/>
+      <p:regular r:id="rId22"/>
+      <p:bold r:id="rId23"/>
+      <p:italic r:id="rId24"/>
+      <p:boldItalic r:id="rId25"/>
     </p:embeddedFont>
   </p:embeddedFontLst>
   <p:defaultTextStyle>
@@ -1559,7 +1556,7 @@
   <p:cSld>
     <p:spTree>
       <p:nvGrpSpPr>
-        <p:cNvPr id="132" name="Shape 132"/>
+        <p:cNvPr id="133" name="Shape 133"/>
         <p:cNvGrpSpPr/>
         <p:nvPr/>
       </p:nvGrpSpPr>
@@ -1573,7 +1570,7 @@
       </p:grpSpPr>
       <p:sp>
         <p:nvSpPr>
-          <p:cNvPr id="133" name="Google Shape;133;p10:notes"/>
+          <p:cNvPr id="134" name="Google Shape;134;p13:notes"/>
           <p:cNvSpPr txBox="1"/>
           <p:nvPr>
             <p:ph idx="1" type="body"/>
@@ -1612,7 +1609,7 @@
       </p:sp>
       <p:sp>
         <p:nvSpPr>
-          <p:cNvPr id="134" name="Google Shape;134;p10:notes"/>
+          <p:cNvPr id="135" name="Google Shape;135;p13:notes"/>
           <p:cNvSpPr/>
           <p:nvPr>
             <p:ph idx="2" type="sldImg"/>
@@ -1658,7 +1655,7 @@
   <p:cSld>
     <p:spTree>
       <p:nvGrpSpPr>
-        <p:cNvPr id="138" name="Shape 138"/>
+        <p:cNvPr id="139" name="Shape 139"/>
         <p:cNvGrpSpPr/>
         <p:nvPr/>
       </p:nvGrpSpPr>
@@ -1672,7 +1669,7 @@
       </p:grpSpPr>
       <p:sp>
         <p:nvSpPr>
-          <p:cNvPr id="139" name="Google Shape;139;p11:notes"/>
+          <p:cNvPr id="140" name="Google Shape;140;p14:notes"/>
           <p:cNvSpPr txBox="1"/>
           <p:nvPr>
             <p:ph idx="1" type="body"/>
@@ -1711,7 +1708,7 @@
       </p:sp>
       <p:sp>
         <p:nvSpPr>
-          <p:cNvPr id="140" name="Google Shape;140;p11:notes"/>
+          <p:cNvPr id="141" name="Google Shape;141;p14:notes"/>
           <p:cNvSpPr/>
           <p:nvPr>
             <p:ph idx="2" type="sldImg"/>
@@ -1757,7 +1754,7 @@
   <p:cSld>
     <p:spTree>
       <p:nvGrpSpPr>
-        <p:cNvPr id="144" name="Shape 144"/>
+        <p:cNvPr id="145" name="Shape 145"/>
         <p:cNvGrpSpPr/>
         <p:nvPr/>
       </p:nvGrpSpPr>
@@ -1771,7 +1768,7 @@
       </p:grpSpPr>
       <p:sp>
         <p:nvSpPr>
-          <p:cNvPr id="145" name="Google Shape;145;p12:notes"/>
+          <p:cNvPr id="146" name="Google Shape;146;p15:notes"/>
           <p:cNvSpPr txBox="1"/>
           <p:nvPr>
             <p:ph idx="1" type="body"/>
@@ -1810,7 +1807,7 @@
       </p:sp>
       <p:sp>
         <p:nvSpPr>
-          <p:cNvPr id="146" name="Google Shape;146;p12:notes"/>
+          <p:cNvPr id="147" name="Google Shape;147;p15:notes"/>
           <p:cNvSpPr/>
           <p:nvPr>
             <p:ph idx="2" type="sldImg"/>
@@ -1870,7 +1867,7 @@
       </p:grpSpPr>
       <p:sp>
         <p:nvSpPr>
-          <p:cNvPr id="152" name="Google Shape;152;p13:notes"/>
+          <p:cNvPr id="152" name="Google Shape;152;p16:notes"/>
           <p:cNvSpPr txBox="1"/>
           <p:nvPr>
             <p:ph idx="1" type="body"/>
@@ -1909,7 +1906,7 @@
       </p:sp>
       <p:sp>
         <p:nvSpPr>
-          <p:cNvPr id="153" name="Google Shape;153;p13:notes"/>
+          <p:cNvPr id="153" name="Google Shape;153;p16:notes"/>
           <p:cNvSpPr/>
           <p:nvPr>
             <p:ph idx="2" type="sldImg"/>
@@ -1955,7 +1952,7 @@
   <p:cSld>
     <p:spTree>
       <p:nvGrpSpPr>
-        <p:cNvPr id="157" name="Shape 157"/>
+        <p:cNvPr id="156" name="Shape 156"/>
         <p:cNvGrpSpPr/>
         <p:nvPr/>
       </p:nvGrpSpPr>
@@ -1969,7 +1966,7 @@
       </p:grpSpPr>
       <p:sp>
         <p:nvSpPr>
-          <p:cNvPr id="158" name="Google Shape;158;p14:notes"/>
+          <p:cNvPr id="157" name="Google Shape;157;p17:notes"/>
           <p:cNvSpPr txBox="1"/>
           <p:nvPr>
             <p:ph idx="1" type="body"/>
@@ -2008,7 +2005,7 @@
       </p:sp>
       <p:sp>
         <p:nvSpPr>
-          <p:cNvPr id="159" name="Google Shape;159;p14:notes"/>
+          <p:cNvPr id="158" name="Google Shape;158;p17:notes"/>
           <p:cNvSpPr/>
           <p:nvPr>
             <p:ph idx="2" type="sldImg"/>
@@ -2054,7 +2051,7 @@
   <p:cSld>
     <p:spTree>
       <p:nvGrpSpPr>
-        <p:cNvPr id="163" name="Shape 163"/>
+        <p:cNvPr id="162" name="Shape 162"/>
         <p:cNvGrpSpPr/>
         <p:nvPr/>
       </p:nvGrpSpPr>
@@ -2068,7 +2065,7 @@
       </p:grpSpPr>
       <p:sp>
         <p:nvSpPr>
-          <p:cNvPr id="164" name="Google Shape;164;p15:notes"/>
+          <p:cNvPr id="163" name="Google Shape;163;p18:notes"/>
           <p:cNvSpPr txBox="1"/>
           <p:nvPr>
             <p:ph idx="1" type="body"/>
@@ -2107,7 +2104,7 @@
       </p:sp>
       <p:sp>
         <p:nvSpPr>
-          <p:cNvPr id="165" name="Google Shape;165;p15:notes"/>
+          <p:cNvPr id="164" name="Google Shape;164;p18:notes"/>
           <p:cNvSpPr/>
           <p:nvPr>
             <p:ph idx="2" type="sldImg"/>
@@ -2153,7 +2150,7 @@
   <p:cSld>
     <p:spTree>
       <p:nvGrpSpPr>
-        <p:cNvPr id="169" name="Shape 169"/>
+        <p:cNvPr id="167" name="Shape 167"/>
         <p:cNvGrpSpPr/>
         <p:nvPr/>
       </p:nvGrpSpPr>
@@ -2167,7 +2164,7 @@
       </p:grpSpPr>
       <p:sp>
         <p:nvSpPr>
-          <p:cNvPr id="170" name="Google Shape;170;p16:notes"/>
+          <p:cNvPr id="168" name="Google Shape;168;p19:notes"/>
           <p:cNvSpPr txBox="1"/>
           <p:nvPr>
             <p:ph idx="1" type="body"/>
@@ -2206,304 +2203,7 @@
       </p:sp>
       <p:sp>
         <p:nvSpPr>
-          <p:cNvPr id="171" name="Google Shape;171;p16:notes"/>
-          <p:cNvSpPr/>
-          <p:nvPr>
-            <p:ph idx="2" type="sldImg"/>
-          </p:nvPr>
-        </p:nvSpPr>
-        <p:spPr>
-          <a:xfrm>
-            <a:off x="1143000" y="685800"/>
-            <a:ext cx="4572000" cy="3429000"/>
-          </a:xfrm>
-          <a:custGeom>
-            <a:rect b="b" l="l" r="r" t="t"/>
-            <a:pathLst>
-              <a:path extrusionOk="0" h="120000" w="120000">
-                <a:moveTo>
-                  <a:pt x="0" y="0"/>
-                </a:moveTo>
-                <a:lnTo>
-                  <a:pt x="120000" y="0"/>
-                </a:lnTo>
-                <a:lnTo>
-                  <a:pt x="120000" y="120000"/>
-                </a:lnTo>
-                <a:lnTo>
-                  <a:pt x="0" y="120000"/>
-                </a:lnTo>
-                <a:close/>
-              </a:path>
-            </a:pathLst>
-          </a:custGeom>
-        </p:spPr>
-      </p:sp>
-    </p:spTree>
-  </p:cSld>
-  <p:clrMapOvr>
-    <a:masterClrMapping/>
-  </p:clrMapOvr>
-</p:notes>
-</file>
-
-<file path=ppt/notesSlides/notesSlide17.xml><?xml version="1.0" encoding="utf-8"?>
-<p:notes xmlns:a="http://schemas.openxmlformats.org/drawingml/2006/main" xmlns:r="http://schemas.openxmlformats.org/officeDocument/2006/relationships" xmlns:mc="http://schemas.openxmlformats.org/markup-compatibility/2006" xmlns:mv="urn:schemas-microsoft-com:mac:vml" xmlns:p="http://schemas.openxmlformats.org/presentationml/2006/main" xmlns:c="http://schemas.openxmlformats.org/drawingml/2006/chart" xmlns:dgm="http://schemas.openxmlformats.org/drawingml/2006/diagram" xmlns:o="urn:schemas-microsoft-com:office:office" xmlns:v="urn:schemas-microsoft-com:vml" xmlns:pvml="urn:schemas-microsoft-com:office:powerpoint" xmlns:com="http://schemas.openxmlformats.org/drawingml/2006/compatibility" xmlns:p14="http://schemas.microsoft.com/office/powerpoint/2010/main" xmlns:p15="http://schemas.microsoft.com/office/powerpoint/2012/main" xmlns:ahyp="http://schemas.microsoft.com/office/drawing/2018/hyperlinkcolor" showMasterPhAnim="0" showMasterSp="0">
-  <p:cSld>
-    <p:spTree>
-      <p:nvGrpSpPr>
-        <p:cNvPr id="174" name="Shape 174"/>
-        <p:cNvGrpSpPr/>
-        <p:nvPr/>
-      </p:nvGrpSpPr>
-      <p:grpSpPr>
-        <a:xfrm>
-          <a:off x="0" y="0"/>
-          <a:ext cx="0" cy="0"/>
-          <a:chOff x="0" y="0"/>
-          <a:chExt cx="0" cy="0"/>
-        </a:xfrm>
-      </p:grpSpPr>
-      <p:sp>
-        <p:nvSpPr>
-          <p:cNvPr id="175" name="Google Shape;175;p17:notes"/>
-          <p:cNvSpPr txBox="1"/>
-          <p:nvPr>
-            <p:ph idx="1" type="body"/>
-          </p:nvPr>
-        </p:nvSpPr>
-        <p:spPr>
-          <a:xfrm>
-            <a:off x="685800" y="4343400"/>
-            <a:ext cx="5486400" cy="4114800"/>
-          </a:xfrm>
-          <a:prstGeom prst="rect">
-            <a:avLst/>
-          </a:prstGeom>
-        </p:spPr>
-        <p:txBody>
-          <a:bodyPr anchorCtr="0" anchor="t" bIns="45700" lIns="91425" spcFirstLastPara="1" rIns="91425" wrap="square" tIns="45700">
-            <a:noAutofit/>
-          </a:bodyPr>
-          <a:lstStyle/>
-          <a:p>
-            <a:pPr indent="0" lvl="0" marL="0" rtl="0" algn="l">
-              <a:spcBef>
-                <a:spcPts val="0"/>
-              </a:spcBef>
-              <a:spcAft>
-                <a:spcPts val="0"/>
-              </a:spcAft>
-              <a:buNone/>
-            </a:pPr>
-            <a:r>
-              <a:t/>
-            </a:r>
-            <a:endParaRPr/>
-          </a:p>
-        </p:txBody>
-      </p:sp>
-      <p:sp>
-        <p:nvSpPr>
-          <p:cNvPr id="176" name="Google Shape;176;p17:notes"/>
-          <p:cNvSpPr/>
-          <p:nvPr>
-            <p:ph idx="2" type="sldImg"/>
-          </p:nvPr>
-        </p:nvSpPr>
-        <p:spPr>
-          <a:xfrm>
-            <a:off x="1143000" y="685800"/>
-            <a:ext cx="4572000" cy="3429000"/>
-          </a:xfrm>
-          <a:custGeom>
-            <a:rect b="b" l="l" r="r" t="t"/>
-            <a:pathLst>
-              <a:path extrusionOk="0" h="120000" w="120000">
-                <a:moveTo>
-                  <a:pt x="0" y="0"/>
-                </a:moveTo>
-                <a:lnTo>
-                  <a:pt x="120000" y="0"/>
-                </a:lnTo>
-                <a:lnTo>
-                  <a:pt x="120000" y="120000"/>
-                </a:lnTo>
-                <a:lnTo>
-                  <a:pt x="0" y="120000"/>
-                </a:lnTo>
-                <a:close/>
-              </a:path>
-            </a:pathLst>
-          </a:custGeom>
-        </p:spPr>
-      </p:sp>
-    </p:spTree>
-  </p:cSld>
-  <p:clrMapOvr>
-    <a:masterClrMapping/>
-  </p:clrMapOvr>
-</p:notes>
-</file>
-
-<file path=ppt/notesSlides/notesSlide18.xml><?xml version="1.0" encoding="utf-8"?>
-<p:notes xmlns:a="http://schemas.openxmlformats.org/drawingml/2006/main" xmlns:r="http://schemas.openxmlformats.org/officeDocument/2006/relationships" xmlns:mc="http://schemas.openxmlformats.org/markup-compatibility/2006" xmlns:mv="urn:schemas-microsoft-com:mac:vml" xmlns:p="http://schemas.openxmlformats.org/presentationml/2006/main" xmlns:c="http://schemas.openxmlformats.org/drawingml/2006/chart" xmlns:dgm="http://schemas.openxmlformats.org/drawingml/2006/diagram" xmlns:o="urn:schemas-microsoft-com:office:office" xmlns:v="urn:schemas-microsoft-com:vml" xmlns:pvml="urn:schemas-microsoft-com:office:powerpoint" xmlns:com="http://schemas.openxmlformats.org/drawingml/2006/compatibility" xmlns:p14="http://schemas.microsoft.com/office/powerpoint/2010/main" xmlns:p15="http://schemas.microsoft.com/office/powerpoint/2012/main" xmlns:ahyp="http://schemas.microsoft.com/office/drawing/2018/hyperlinkcolor" showMasterPhAnim="0" showMasterSp="0">
-  <p:cSld>
-    <p:spTree>
-      <p:nvGrpSpPr>
-        <p:cNvPr id="180" name="Shape 180"/>
-        <p:cNvGrpSpPr/>
-        <p:nvPr/>
-      </p:nvGrpSpPr>
-      <p:grpSpPr>
-        <a:xfrm>
-          <a:off x="0" y="0"/>
-          <a:ext cx="0" cy="0"/>
-          <a:chOff x="0" y="0"/>
-          <a:chExt cx="0" cy="0"/>
-        </a:xfrm>
-      </p:grpSpPr>
-      <p:sp>
-        <p:nvSpPr>
-          <p:cNvPr id="181" name="Google Shape;181;p18:notes"/>
-          <p:cNvSpPr txBox="1"/>
-          <p:nvPr>
-            <p:ph idx="1" type="body"/>
-          </p:nvPr>
-        </p:nvSpPr>
-        <p:spPr>
-          <a:xfrm>
-            <a:off x="685800" y="4343400"/>
-            <a:ext cx="5486400" cy="4114800"/>
-          </a:xfrm>
-          <a:prstGeom prst="rect">
-            <a:avLst/>
-          </a:prstGeom>
-        </p:spPr>
-        <p:txBody>
-          <a:bodyPr anchorCtr="0" anchor="t" bIns="45700" lIns="91425" spcFirstLastPara="1" rIns="91425" wrap="square" tIns="45700">
-            <a:noAutofit/>
-          </a:bodyPr>
-          <a:lstStyle/>
-          <a:p>
-            <a:pPr indent="0" lvl="0" marL="0" rtl="0" algn="l">
-              <a:spcBef>
-                <a:spcPts val="0"/>
-              </a:spcBef>
-              <a:spcAft>
-                <a:spcPts val="0"/>
-              </a:spcAft>
-              <a:buNone/>
-            </a:pPr>
-            <a:r>
-              <a:t/>
-            </a:r>
-            <a:endParaRPr/>
-          </a:p>
-        </p:txBody>
-      </p:sp>
-      <p:sp>
-        <p:nvSpPr>
-          <p:cNvPr id="182" name="Google Shape;182;p18:notes"/>
-          <p:cNvSpPr/>
-          <p:nvPr>
-            <p:ph idx="2" type="sldImg"/>
-          </p:nvPr>
-        </p:nvSpPr>
-        <p:spPr>
-          <a:xfrm>
-            <a:off x="1143000" y="685800"/>
-            <a:ext cx="4572000" cy="3429000"/>
-          </a:xfrm>
-          <a:custGeom>
-            <a:rect b="b" l="l" r="r" t="t"/>
-            <a:pathLst>
-              <a:path extrusionOk="0" h="120000" w="120000">
-                <a:moveTo>
-                  <a:pt x="0" y="0"/>
-                </a:moveTo>
-                <a:lnTo>
-                  <a:pt x="120000" y="0"/>
-                </a:lnTo>
-                <a:lnTo>
-                  <a:pt x="120000" y="120000"/>
-                </a:lnTo>
-                <a:lnTo>
-                  <a:pt x="0" y="120000"/>
-                </a:lnTo>
-                <a:close/>
-              </a:path>
-            </a:pathLst>
-          </a:custGeom>
-        </p:spPr>
-      </p:sp>
-    </p:spTree>
-  </p:cSld>
-  <p:clrMapOvr>
-    <a:masterClrMapping/>
-  </p:clrMapOvr>
-</p:notes>
-</file>
-
-<file path=ppt/notesSlides/notesSlide19.xml><?xml version="1.0" encoding="utf-8"?>
-<p:notes xmlns:a="http://schemas.openxmlformats.org/drawingml/2006/main" xmlns:r="http://schemas.openxmlformats.org/officeDocument/2006/relationships" xmlns:mc="http://schemas.openxmlformats.org/markup-compatibility/2006" xmlns:mv="urn:schemas-microsoft-com:mac:vml" xmlns:p="http://schemas.openxmlformats.org/presentationml/2006/main" xmlns:c="http://schemas.openxmlformats.org/drawingml/2006/chart" xmlns:dgm="http://schemas.openxmlformats.org/drawingml/2006/diagram" xmlns:o="urn:schemas-microsoft-com:office:office" xmlns:v="urn:schemas-microsoft-com:vml" xmlns:pvml="urn:schemas-microsoft-com:office:powerpoint" xmlns:com="http://schemas.openxmlformats.org/drawingml/2006/compatibility" xmlns:p14="http://schemas.microsoft.com/office/powerpoint/2010/main" xmlns:p15="http://schemas.microsoft.com/office/powerpoint/2012/main" xmlns:ahyp="http://schemas.microsoft.com/office/drawing/2018/hyperlinkcolor" showMasterPhAnim="0" showMasterSp="0">
-  <p:cSld>
-    <p:spTree>
-      <p:nvGrpSpPr>
-        <p:cNvPr id="185" name="Shape 185"/>
-        <p:cNvGrpSpPr/>
-        <p:nvPr/>
-      </p:nvGrpSpPr>
-      <p:grpSpPr>
-        <a:xfrm>
-          <a:off x="0" y="0"/>
-          <a:ext cx="0" cy="0"/>
-          <a:chOff x="0" y="0"/>
-          <a:chExt cx="0" cy="0"/>
-        </a:xfrm>
-      </p:grpSpPr>
-      <p:sp>
-        <p:nvSpPr>
-          <p:cNvPr id="186" name="Google Shape;186;p19:notes"/>
-          <p:cNvSpPr txBox="1"/>
-          <p:nvPr>
-            <p:ph idx="1" type="body"/>
-          </p:nvPr>
-        </p:nvSpPr>
-        <p:spPr>
-          <a:xfrm>
-            <a:off x="685800" y="4343400"/>
-            <a:ext cx="5486400" cy="4114800"/>
-          </a:xfrm>
-          <a:prstGeom prst="rect">
-            <a:avLst/>
-          </a:prstGeom>
-        </p:spPr>
-        <p:txBody>
-          <a:bodyPr anchorCtr="0" anchor="t" bIns="45700" lIns="91425" spcFirstLastPara="1" rIns="91425" wrap="square" tIns="45700">
-            <a:noAutofit/>
-          </a:bodyPr>
-          <a:lstStyle/>
-          <a:p>
-            <a:pPr indent="0" lvl="0" marL="0" rtl="0" algn="l">
-              <a:spcBef>
-                <a:spcPts val="0"/>
-              </a:spcBef>
-              <a:spcAft>
-                <a:spcPts val="0"/>
-              </a:spcAft>
-              <a:buNone/>
-            </a:pPr>
-            <a:r>
-              <a:t/>
-            </a:r>
-            <a:endParaRPr/>
-          </a:p>
-        </p:txBody>
-      </p:sp>
-      <p:sp>
-        <p:nvSpPr>
-          <p:cNvPr id="187" name="Google Shape;187;p19:notes"/>
+          <p:cNvPr id="169" name="Google Shape;169;p19:notes"/>
           <p:cNvSpPr/>
           <p:nvPr>
             <p:ph idx="2" type="sldImg"/>
@@ -2563,7 +2263,7 @@
       </p:grpSpPr>
       <p:sp>
         <p:nvSpPr>
-          <p:cNvPr id="87" name="Google Shape;87;p2:notes"/>
+          <p:cNvPr id="87" name="Google Shape;87;p3:notes"/>
           <p:cNvSpPr txBox="1"/>
           <p:nvPr>
             <p:ph idx="1" type="body"/>
@@ -2602,7 +2302,7 @@
       </p:sp>
       <p:sp>
         <p:nvSpPr>
-          <p:cNvPr id="88" name="Google Shape;88;p2:notes"/>
+          <p:cNvPr id="88" name="Google Shape;88;p3:notes"/>
           <p:cNvSpPr/>
           <p:nvPr>
             <p:ph idx="2" type="sldImg"/>
@@ -2648,7 +2348,7 @@
   <p:cSld>
     <p:spTree>
       <p:nvGrpSpPr>
-        <p:cNvPr id="91" name="Shape 91"/>
+        <p:cNvPr id="92" name="Shape 92"/>
         <p:cNvGrpSpPr/>
         <p:nvPr/>
       </p:nvGrpSpPr>
@@ -2662,7 +2362,7 @@
       </p:grpSpPr>
       <p:sp>
         <p:nvSpPr>
-          <p:cNvPr id="92" name="Google Shape;92;p3:notes"/>
+          <p:cNvPr id="93" name="Google Shape;93;p5:notes"/>
           <p:cNvSpPr txBox="1"/>
           <p:nvPr>
             <p:ph idx="1" type="body"/>
@@ -2701,7 +2401,7 @@
       </p:sp>
       <p:sp>
         <p:nvSpPr>
-          <p:cNvPr id="93" name="Google Shape;93;p3:notes"/>
+          <p:cNvPr id="94" name="Google Shape;94;p5:notes"/>
           <p:cNvSpPr/>
           <p:nvPr>
             <p:ph idx="2" type="sldImg"/>
@@ -2747,7 +2447,7 @@
   <p:cSld>
     <p:spTree>
       <p:nvGrpSpPr>
-        <p:cNvPr id="97" name="Shape 97"/>
+        <p:cNvPr id="98" name="Shape 98"/>
         <p:cNvGrpSpPr/>
         <p:nvPr/>
       </p:nvGrpSpPr>
@@ -2761,7 +2461,7 @@
       </p:grpSpPr>
       <p:sp>
         <p:nvSpPr>
-          <p:cNvPr id="98" name="Google Shape;98;p4:notes"/>
+          <p:cNvPr id="99" name="Google Shape;99;p6:notes"/>
           <p:cNvSpPr txBox="1"/>
           <p:nvPr>
             <p:ph idx="1" type="body"/>
@@ -2800,7 +2500,7 @@
       </p:sp>
       <p:sp>
         <p:nvSpPr>
-          <p:cNvPr id="99" name="Google Shape;99;p4:notes"/>
+          <p:cNvPr id="100" name="Google Shape;100;p6:notes"/>
           <p:cNvSpPr/>
           <p:nvPr>
             <p:ph idx="2" type="sldImg"/>
@@ -2846,7 +2546,7 @@
   <p:cSld>
     <p:spTree>
       <p:nvGrpSpPr>
-        <p:cNvPr id="103" name="Shape 103"/>
+        <p:cNvPr id="104" name="Shape 104"/>
         <p:cNvGrpSpPr/>
         <p:nvPr/>
       </p:nvGrpSpPr>
@@ -2860,7 +2560,7 @@
       </p:grpSpPr>
       <p:sp>
         <p:nvSpPr>
-          <p:cNvPr id="104" name="Google Shape;104;p5:notes"/>
+          <p:cNvPr id="105" name="Google Shape;105;p7:notes"/>
           <p:cNvSpPr txBox="1"/>
           <p:nvPr>
             <p:ph idx="1" type="body"/>
@@ -2899,7 +2599,7 @@
       </p:sp>
       <p:sp>
         <p:nvSpPr>
-          <p:cNvPr id="105" name="Google Shape;105;p5:notes"/>
+          <p:cNvPr id="106" name="Google Shape;106;p7:notes"/>
           <p:cNvSpPr/>
           <p:nvPr>
             <p:ph idx="2" type="sldImg"/>
@@ -2959,7 +2659,7 @@
       </p:grpSpPr>
       <p:sp>
         <p:nvSpPr>
-          <p:cNvPr id="110" name="Google Shape;110;p6:notes"/>
+          <p:cNvPr id="110" name="Google Shape;110;p8:notes"/>
           <p:cNvSpPr txBox="1"/>
           <p:nvPr>
             <p:ph idx="1" type="body"/>
@@ -2998,7 +2698,7 @@
       </p:sp>
       <p:sp>
         <p:nvSpPr>
-          <p:cNvPr id="111" name="Google Shape;111;p6:notes"/>
+          <p:cNvPr id="111" name="Google Shape;111;p8:notes"/>
           <p:cNvSpPr/>
           <p:nvPr>
             <p:ph idx="2" type="sldImg"/>
@@ -3058,7 +2758,7 @@
       </p:grpSpPr>
       <p:sp>
         <p:nvSpPr>
-          <p:cNvPr id="116" name="Google Shape;116;p7:notes"/>
+          <p:cNvPr id="116" name="Google Shape;116;p9:notes"/>
           <p:cNvSpPr txBox="1"/>
           <p:nvPr>
             <p:ph idx="1" type="body"/>
@@ -3097,7 +2797,7 @@
       </p:sp>
       <p:sp>
         <p:nvSpPr>
-          <p:cNvPr id="117" name="Google Shape;117;p7:notes"/>
+          <p:cNvPr id="117" name="Google Shape;117;p9:notes"/>
           <p:cNvSpPr/>
           <p:nvPr>
             <p:ph idx="2" type="sldImg"/>
@@ -3143,7 +2843,7 @@
   <p:cSld>
     <p:spTree>
       <p:nvGrpSpPr>
-        <p:cNvPr id="120" name="Shape 120"/>
+        <p:cNvPr id="121" name="Shape 121"/>
         <p:cNvGrpSpPr/>
         <p:nvPr/>
       </p:nvGrpSpPr>
@@ -3157,7 +2857,7 @@
       </p:grpSpPr>
       <p:sp>
         <p:nvSpPr>
-          <p:cNvPr id="121" name="Google Shape;121;p8:notes"/>
+          <p:cNvPr id="122" name="Google Shape;122;p10:notes"/>
           <p:cNvSpPr txBox="1"/>
           <p:nvPr>
             <p:ph idx="1" type="body"/>
@@ -3196,7 +2896,7 @@
       </p:sp>
       <p:sp>
         <p:nvSpPr>
-          <p:cNvPr id="122" name="Google Shape;122;p8:notes"/>
+          <p:cNvPr id="123" name="Google Shape;123;p10:notes"/>
           <p:cNvSpPr/>
           <p:nvPr>
             <p:ph idx="2" type="sldImg"/>
@@ -3242,7 +2942,7 @@
   <p:cSld>
     <p:spTree>
       <p:nvGrpSpPr>
-        <p:cNvPr id="126" name="Shape 126"/>
+        <p:cNvPr id="127" name="Shape 127"/>
         <p:cNvGrpSpPr/>
         <p:nvPr/>
       </p:nvGrpSpPr>
@@ -3256,7 +2956,7 @@
       </p:grpSpPr>
       <p:sp>
         <p:nvSpPr>
-          <p:cNvPr id="127" name="Google Shape;127;p9:notes"/>
+          <p:cNvPr id="128" name="Google Shape;128;p11:notes"/>
           <p:cNvSpPr txBox="1"/>
           <p:nvPr>
             <p:ph idx="1" type="body"/>
@@ -3295,7 +2995,7 @@
       </p:sp>
       <p:sp>
         <p:nvSpPr>
-          <p:cNvPr id="128" name="Google Shape;128;p9:notes"/>
+          <p:cNvPr id="129" name="Google Shape;129;p11:notes"/>
           <p:cNvSpPr/>
           <p:nvPr>
             <p:ph idx="2" type="sldImg"/>
@@ -14681,7 +14381,7 @@
   <p:cSld>
     <p:spTree>
       <p:nvGrpSpPr>
-        <p:cNvPr id="135" name="Shape 135"/>
+        <p:cNvPr id="136" name="Shape 136"/>
         <p:cNvGrpSpPr/>
         <p:nvPr/>
       </p:nvGrpSpPr>
@@ -14695,7 +14395,188 @@
       </p:grpSpPr>
       <p:sp>
         <p:nvSpPr>
-          <p:cNvPr id="136" name="Google Shape;136;p22"/>
+          <p:cNvPr id="137" name="Google Shape;137;p22"/>
+          <p:cNvSpPr txBox="1"/>
+          <p:nvPr>
+            <p:ph type="title"/>
+          </p:nvPr>
+        </p:nvSpPr>
+        <p:spPr>
+          <a:xfrm>
+            <a:off x="457200" y="274638"/>
+            <a:ext cx="8229600" cy="1143000"/>
+          </a:xfrm>
+          <a:prstGeom prst="rect">
+            <a:avLst/>
+          </a:prstGeom>
+          <a:noFill/>
+          <a:ln>
+            <a:noFill/>
+          </a:ln>
+        </p:spPr>
+        <p:txBody>
+          <a:bodyPr anchorCtr="0" anchor="ctr" bIns="45700" lIns="91425" spcFirstLastPara="1" rIns="91425" wrap="square" tIns="45700">
+            <a:normAutofit fontScale="90000"/>
+          </a:bodyPr>
+          <a:lstStyle/>
+          <a:p>
+            <a:pPr indent="0" lvl="0" marL="0" rtl="0" algn="ctr">
+              <a:spcBef>
+                <a:spcPts val="0"/>
+              </a:spcBef>
+              <a:spcAft>
+                <a:spcPts val="0"/>
+              </a:spcAft>
+              <a:buClr>
+                <a:schemeClr val="dk1"/>
+              </a:buClr>
+              <a:buSzPct val="100000"/>
+              <a:buFont typeface="Montserrat"/>
+              <a:buNone/>
+            </a:pPr>
+            <a:r>
+              <a:rPr lang="en-US"/>
+              <a:t>Orchestration and Composition</a:t>
+            </a:r>
+            <a:endParaRPr/>
+          </a:p>
+        </p:txBody>
+      </p:sp>
+      <p:sp>
+        <p:nvSpPr>
+          <p:cNvPr id="138" name="Google Shape;138;p22"/>
+          <p:cNvSpPr txBox="1"/>
+          <p:nvPr>
+            <p:ph idx="1" type="body"/>
+          </p:nvPr>
+        </p:nvSpPr>
+        <p:spPr>
+          <a:xfrm>
+            <a:off x="375635" y="1600200"/>
+            <a:ext cx="8229600" cy="4525963"/>
+          </a:xfrm>
+          <a:prstGeom prst="rect">
+            <a:avLst/>
+          </a:prstGeom>
+          <a:noFill/>
+          <a:ln>
+            <a:noFill/>
+          </a:ln>
+        </p:spPr>
+        <p:txBody>
+          <a:bodyPr anchorCtr="0" anchor="t" bIns="45700" lIns="91425" spcFirstLastPara="1" rIns="91425" wrap="square" tIns="45700">
+            <a:normAutofit/>
+          </a:bodyPr>
+          <a:lstStyle/>
+          <a:p>
+            <a:pPr indent="-342900" lvl="0" marL="342900" rtl="0" algn="l">
+              <a:spcBef>
+                <a:spcPts val="0"/>
+              </a:spcBef>
+              <a:spcAft>
+                <a:spcPts val="0"/>
+              </a:spcAft>
+              <a:buClr>
+                <a:schemeClr val="dk1"/>
+              </a:buClr>
+              <a:buSzPts val="3200"/>
+              <a:buChar char="•"/>
+            </a:pPr>
+            <a:r>
+              <a:rPr lang="en-US"/>
+              <a:t>BPMN, BPEL</a:t>
+            </a:r>
+            <a:endParaRPr/>
+          </a:p>
+          <a:p>
+            <a:pPr indent="-342900" lvl="0" marL="342900" rtl="0" algn="l">
+              <a:spcBef>
+                <a:spcPts val="640"/>
+              </a:spcBef>
+              <a:spcAft>
+                <a:spcPts val="0"/>
+              </a:spcAft>
+              <a:buClr>
+                <a:schemeClr val="dk1"/>
+              </a:buClr>
+              <a:buSzPts val="3200"/>
+              <a:buChar char="•"/>
+            </a:pPr>
+            <a:r>
+              <a:rPr lang="en-US"/>
+              <a:t>Executable Documentation?</a:t>
+            </a:r>
+            <a:endParaRPr/>
+          </a:p>
+          <a:p>
+            <a:pPr indent="-342900" lvl="0" marL="342900" rtl="0" algn="l">
+              <a:spcBef>
+                <a:spcPts val="640"/>
+              </a:spcBef>
+              <a:spcAft>
+                <a:spcPts val="0"/>
+              </a:spcAft>
+              <a:buClr>
+                <a:schemeClr val="dk1"/>
+              </a:buClr>
+              <a:buSzPts val="3200"/>
+              <a:buChar char="•"/>
+            </a:pPr>
+            <a:r>
+              <a:rPr lang="en-US"/>
+              <a:t>Visibility and Monitoring</a:t>
+            </a:r>
+            <a:endParaRPr/>
+          </a:p>
+          <a:p>
+            <a:pPr indent="0" lvl="0" marL="0" rtl="0" algn="l">
+              <a:spcBef>
+                <a:spcPts val="640"/>
+              </a:spcBef>
+              <a:spcAft>
+                <a:spcPts val="0"/>
+              </a:spcAft>
+              <a:buClr>
+                <a:schemeClr val="dk1"/>
+              </a:buClr>
+              <a:buSzPts val="3200"/>
+              <a:buNone/>
+            </a:pPr>
+            <a:r>
+              <a:t/>
+            </a:r>
+            <a:endParaRPr/>
+          </a:p>
+        </p:txBody>
+      </p:sp>
+    </p:spTree>
+  </p:cSld>
+  <p:clrMapOvr>
+    <a:masterClrMapping/>
+  </p:clrMapOvr>
+</p:sld>
+</file>
+
+<file path=ppt/slides/slide11.xml><?xml version="1.0" encoding="utf-8"?>
+<p:sld xmlns:a="http://schemas.openxmlformats.org/drawingml/2006/main" xmlns:r="http://schemas.openxmlformats.org/officeDocument/2006/relationships" xmlns:mc="http://schemas.openxmlformats.org/markup-compatibility/2006" xmlns:mv="urn:schemas-microsoft-com:mac:vml" xmlns:p="http://schemas.openxmlformats.org/presentationml/2006/main" xmlns:c="http://schemas.openxmlformats.org/drawingml/2006/chart" xmlns:dgm="http://schemas.openxmlformats.org/drawingml/2006/diagram" xmlns:o="urn:schemas-microsoft-com:office:office" xmlns:v="urn:schemas-microsoft-com:vml" xmlns:pvml="urn:schemas-microsoft-com:office:powerpoint" xmlns:com="http://schemas.openxmlformats.org/drawingml/2006/compatibility" xmlns:p14="http://schemas.microsoft.com/office/powerpoint/2010/main" xmlns:p15="http://schemas.microsoft.com/office/powerpoint/2012/main" xmlns:ahyp="http://schemas.microsoft.com/office/drawing/2018/hyperlinkcolor">
+  <p:cSld>
+    <p:spTree>
+      <p:nvGrpSpPr>
+        <p:cNvPr id="142" name="Shape 142"/>
+        <p:cNvGrpSpPr/>
+        <p:nvPr/>
+      </p:nvGrpSpPr>
+      <p:grpSpPr>
+        <a:xfrm>
+          <a:off x="0" y="0"/>
+          <a:ext cx="0" cy="0"/>
+          <a:chOff x="0" y="0"/>
+          <a:chExt cx="0" cy="0"/>
+        </a:xfrm>
+      </p:grpSpPr>
+      <p:sp>
+        <p:nvSpPr>
+          <p:cNvPr id="143" name="Google Shape;143;p23"/>
           <p:cNvSpPr txBox="1"/>
           <p:nvPr>
             <p:ph type="title"/>
@@ -14736,7 +14617,7 @@
             </a:pPr>
             <a:r>
               <a:rPr lang="en-US"/>
-              <a:t>Services vs APIs</a:t>
+              <a:t>Design Considerations</a:t>
             </a:r>
             <a:endParaRPr/>
           </a:p>
@@ -14744,7 +14625,329 @@
       </p:sp>
       <p:sp>
         <p:nvSpPr>
-          <p:cNvPr id="137" name="Google Shape;137;p22"/>
+          <p:cNvPr id="144" name="Google Shape;144;p23"/>
+          <p:cNvSpPr txBox="1"/>
+          <p:nvPr>
+            <p:ph idx="1" type="body"/>
+          </p:nvPr>
+        </p:nvSpPr>
+        <p:spPr>
+          <a:xfrm>
+            <a:off x="375635" y="1600200"/>
+            <a:ext cx="8229600" cy="4525963"/>
+          </a:xfrm>
+          <a:prstGeom prst="rect">
+            <a:avLst/>
+          </a:prstGeom>
+          <a:noFill/>
+          <a:ln>
+            <a:noFill/>
+          </a:ln>
+        </p:spPr>
+        <p:txBody>
+          <a:bodyPr anchorCtr="0" anchor="t" bIns="45700" lIns="91425" spcFirstLastPara="1" rIns="91425" wrap="square" tIns="45700">
+            <a:normAutofit fontScale="85000" lnSpcReduction="20000"/>
+          </a:bodyPr>
+          <a:lstStyle/>
+          <a:p>
+            <a:pPr indent="-373380" lvl="0" marL="342900" rtl="0" algn="l">
+              <a:spcBef>
+                <a:spcPts val="0"/>
+              </a:spcBef>
+              <a:spcAft>
+                <a:spcPts val="0"/>
+              </a:spcAft>
+              <a:buClr>
+                <a:schemeClr val="dk1"/>
+              </a:buClr>
+              <a:buSzPct val="100000"/>
+              <a:buChar char="•"/>
+            </a:pPr>
+            <a:r>
+              <a:rPr lang="en-US"/>
+              <a:t>Granularity of Services</a:t>
+            </a:r>
+            <a:endParaRPr/>
+          </a:p>
+          <a:p>
+            <a:pPr indent="-312419" lvl="1" marL="742950" rtl="0" algn="l">
+              <a:spcBef>
+                <a:spcPts val="392"/>
+              </a:spcBef>
+              <a:spcAft>
+                <a:spcPts val="0"/>
+              </a:spcAft>
+              <a:buClr>
+                <a:schemeClr val="dk1"/>
+              </a:buClr>
+              <a:buSzPct val="100000"/>
+              <a:buChar char="–"/>
+            </a:pPr>
+            <a:r>
+              <a:rPr lang="en-US"/>
+              <a:t>Microservices</a:t>
+            </a:r>
+            <a:endParaRPr/>
+          </a:p>
+          <a:p>
+            <a:pPr indent="-312419" lvl="1" marL="742950" rtl="0" algn="l">
+              <a:spcBef>
+                <a:spcPts val="392"/>
+              </a:spcBef>
+              <a:spcAft>
+                <a:spcPts val="0"/>
+              </a:spcAft>
+              <a:buClr>
+                <a:schemeClr val="dk1"/>
+              </a:buClr>
+              <a:buSzPct val="100000"/>
+              <a:buChar char="–"/>
+            </a:pPr>
+            <a:r>
+              <a:rPr lang="en-US"/>
+              <a:t>Monolith First? Microservice First?</a:t>
+            </a:r>
+            <a:endParaRPr/>
+          </a:p>
+          <a:p>
+            <a:pPr indent="-373380" lvl="0" marL="342900" rtl="0" algn="l">
+              <a:spcBef>
+                <a:spcPts val="448"/>
+              </a:spcBef>
+              <a:spcAft>
+                <a:spcPts val="0"/>
+              </a:spcAft>
+              <a:buClr>
+                <a:schemeClr val="dk1"/>
+              </a:buClr>
+              <a:buSzPct val="100000"/>
+              <a:buChar char="•"/>
+            </a:pPr>
+            <a:r>
+              <a:rPr lang="en-US"/>
+              <a:t>Ensuring that SOA is being used for a good reason:</a:t>
+            </a:r>
+            <a:endParaRPr/>
+          </a:p>
+          <a:p>
+            <a:pPr indent="-312419" lvl="1" marL="742950" rtl="0" algn="l">
+              <a:spcBef>
+                <a:spcPts val="392"/>
+              </a:spcBef>
+              <a:spcAft>
+                <a:spcPts val="0"/>
+              </a:spcAft>
+              <a:buClr>
+                <a:schemeClr val="dk1"/>
+              </a:buClr>
+              <a:buSzPct val="100000"/>
+              <a:buChar char="–"/>
+            </a:pPr>
+            <a:r>
+              <a:rPr lang="en-US"/>
+              <a:t>Scale</a:t>
+            </a:r>
+            <a:endParaRPr/>
+          </a:p>
+          <a:p>
+            <a:pPr indent="-312419" lvl="1" marL="742950" rtl="0" algn="l">
+              <a:spcBef>
+                <a:spcPts val="392"/>
+              </a:spcBef>
+              <a:spcAft>
+                <a:spcPts val="0"/>
+              </a:spcAft>
+              <a:buClr>
+                <a:schemeClr val="dk1"/>
+              </a:buClr>
+              <a:buSzPct val="100000"/>
+              <a:buChar char="–"/>
+            </a:pPr>
+            <a:r>
+              <a:rPr lang="en-US"/>
+              <a:t>Organizational boundaries</a:t>
+            </a:r>
+            <a:endParaRPr/>
+          </a:p>
+          <a:p>
+            <a:pPr indent="-312419" lvl="1" marL="742950" rtl="0" algn="l">
+              <a:spcBef>
+                <a:spcPts val="392"/>
+              </a:spcBef>
+              <a:spcAft>
+                <a:spcPts val="0"/>
+              </a:spcAft>
+              <a:buClr>
+                <a:schemeClr val="dk1"/>
+              </a:buClr>
+              <a:buSzPct val="100000"/>
+              <a:buChar char="–"/>
+            </a:pPr>
+            <a:r>
+              <a:rPr lang="en-US"/>
+              <a:t>Evolvability</a:t>
+            </a:r>
+            <a:endParaRPr/>
+          </a:p>
+          <a:p>
+            <a:pPr indent="-373380" lvl="0" marL="342900" rtl="0" algn="l">
+              <a:spcBef>
+                <a:spcPts val="448"/>
+              </a:spcBef>
+              <a:spcAft>
+                <a:spcPts val="0"/>
+              </a:spcAft>
+              <a:buClr>
+                <a:schemeClr val="dk1"/>
+              </a:buClr>
+              <a:buSzPct val="100000"/>
+              <a:buChar char="•"/>
+            </a:pPr>
+            <a:r>
+              <a:rPr lang="en-US"/>
+              <a:t>Where to draw the boundaries?</a:t>
+            </a:r>
+            <a:endParaRPr/>
+          </a:p>
+          <a:p>
+            <a:pPr indent="-312419" lvl="1" marL="742950" rtl="0" algn="l">
+              <a:spcBef>
+                <a:spcPts val="392"/>
+              </a:spcBef>
+              <a:spcAft>
+                <a:spcPts val="0"/>
+              </a:spcAft>
+              <a:buClr>
+                <a:schemeClr val="dk1"/>
+              </a:buClr>
+              <a:buSzPct val="100000"/>
+              <a:buChar char="–"/>
+            </a:pPr>
+            <a:r>
+              <a:rPr lang="en-US"/>
+              <a:t>Between services</a:t>
+            </a:r>
+            <a:endParaRPr/>
+          </a:p>
+          <a:p>
+            <a:pPr indent="-312419" lvl="1" marL="742950" rtl="0" algn="l">
+              <a:spcBef>
+                <a:spcPts val="392"/>
+              </a:spcBef>
+              <a:spcAft>
+                <a:spcPts val="0"/>
+              </a:spcAft>
+              <a:buClr>
+                <a:schemeClr val="dk1"/>
+              </a:buClr>
+              <a:buSzPct val="100000"/>
+              <a:buChar char="–"/>
+            </a:pPr>
+            <a:r>
+              <a:rPr lang="en-US"/>
+              <a:t>Between microservices and services</a:t>
+            </a:r>
+            <a:endParaRPr/>
+          </a:p>
+          <a:p>
+            <a:pPr indent="-312419" lvl="1" marL="742950" rtl="0" algn="l">
+              <a:spcBef>
+                <a:spcPts val="392"/>
+              </a:spcBef>
+              <a:spcAft>
+                <a:spcPts val="0"/>
+              </a:spcAft>
+              <a:buClr>
+                <a:schemeClr val="dk1"/>
+              </a:buClr>
+              <a:buSzPct val="100000"/>
+              <a:buChar char="–"/>
+            </a:pPr>
+            <a:r>
+              <a:rPr lang="en-US"/>
+              <a:t>Are your layers right?</a:t>
+            </a:r>
+            <a:endParaRPr/>
+          </a:p>
+        </p:txBody>
+      </p:sp>
+    </p:spTree>
+  </p:cSld>
+  <p:clrMapOvr>
+    <a:masterClrMapping/>
+  </p:clrMapOvr>
+</p:sld>
+</file>
+
+<file path=ppt/slides/slide12.xml><?xml version="1.0" encoding="utf-8"?>
+<p:sld xmlns:a="http://schemas.openxmlformats.org/drawingml/2006/main" xmlns:r="http://schemas.openxmlformats.org/officeDocument/2006/relationships" xmlns:mc="http://schemas.openxmlformats.org/markup-compatibility/2006" xmlns:mv="urn:schemas-microsoft-com:mac:vml" xmlns:p="http://schemas.openxmlformats.org/presentationml/2006/main" xmlns:c="http://schemas.openxmlformats.org/drawingml/2006/chart" xmlns:dgm="http://schemas.openxmlformats.org/drawingml/2006/diagram" xmlns:o="urn:schemas-microsoft-com:office:office" xmlns:v="urn:schemas-microsoft-com:vml" xmlns:pvml="urn:schemas-microsoft-com:office:powerpoint" xmlns:com="http://schemas.openxmlformats.org/drawingml/2006/compatibility" xmlns:p14="http://schemas.microsoft.com/office/powerpoint/2010/main" xmlns:p15="http://schemas.microsoft.com/office/powerpoint/2012/main" xmlns:ahyp="http://schemas.microsoft.com/office/drawing/2018/hyperlinkcolor">
+  <p:cSld>
+    <p:spTree>
+      <p:nvGrpSpPr>
+        <p:cNvPr id="148" name="Shape 148"/>
+        <p:cNvGrpSpPr/>
+        <p:nvPr/>
+      </p:nvGrpSpPr>
+      <p:grpSpPr>
+        <a:xfrm>
+          <a:off x="0" y="0"/>
+          <a:ext cx="0" cy="0"/>
+          <a:chOff x="0" y="0"/>
+          <a:chExt cx="0" cy="0"/>
+        </a:xfrm>
+      </p:grpSpPr>
+      <p:sp>
+        <p:nvSpPr>
+          <p:cNvPr id="149" name="Google Shape;149;p24"/>
+          <p:cNvSpPr txBox="1"/>
+          <p:nvPr>
+            <p:ph type="title"/>
+          </p:nvPr>
+        </p:nvSpPr>
+        <p:spPr>
+          <a:xfrm>
+            <a:off x="457200" y="274638"/>
+            <a:ext cx="8229600" cy="1143000"/>
+          </a:xfrm>
+          <a:prstGeom prst="rect">
+            <a:avLst/>
+          </a:prstGeom>
+          <a:noFill/>
+          <a:ln>
+            <a:noFill/>
+          </a:ln>
+        </p:spPr>
+        <p:txBody>
+          <a:bodyPr anchorCtr="0" anchor="ctr" bIns="45700" lIns="91425" spcFirstLastPara="1" rIns="91425" wrap="square" tIns="45700">
+            <a:normAutofit/>
+          </a:bodyPr>
+          <a:lstStyle/>
+          <a:p>
+            <a:pPr indent="0" lvl="0" marL="0" rtl="0" algn="ctr">
+              <a:spcBef>
+                <a:spcPts val="0"/>
+              </a:spcBef>
+              <a:spcAft>
+                <a:spcPts val="0"/>
+              </a:spcAft>
+              <a:buClr>
+                <a:schemeClr val="dk1"/>
+              </a:buClr>
+              <a:buSzPts val="4400"/>
+              <a:buFont typeface="Montserrat"/>
+              <a:buNone/>
+            </a:pPr>
+            <a:r>
+              <a:rPr lang="en-US"/>
+              <a:t>Organizational issues</a:t>
+            </a:r>
+            <a:endParaRPr/>
+          </a:p>
+        </p:txBody>
+      </p:sp>
+      <p:sp>
+        <p:nvSpPr>
+          <p:cNvPr id="150" name="Google Shape;150;p24"/>
           <p:cNvSpPr txBox="1"/>
           <p:nvPr>
             <p:ph idx="1" type="body"/>
@@ -14784,358 +14987,86 @@
             </a:pPr>
             <a:r>
               <a:rPr lang="en-US"/>
-              <a:t>Focus on the consumer</a:t>
+              <a:t>Funding models</a:t>
             </a:r>
             <a:endParaRPr/>
           </a:p>
           <a:p>
-            <a:pPr indent="-285750" lvl="1" marL="742950" rtl="0" algn="l">
-              <a:spcBef>
-                <a:spcPts val="560"/>
-              </a:spcBef>
-              <a:spcAft>
-                <a:spcPts val="0"/>
-              </a:spcAft>
-              <a:buClr>
-                <a:schemeClr val="dk1"/>
-              </a:buClr>
-              <a:buSzPts val="2800"/>
-              <a:buChar char="–"/>
+            <a:pPr indent="-342900" lvl="0" marL="342900" rtl="0" algn="l">
+              <a:spcBef>
+                <a:spcPts val="640"/>
+              </a:spcBef>
+              <a:spcAft>
+                <a:spcPts val="0"/>
+              </a:spcAft>
+              <a:buClr>
+                <a:schemeClr val="dk1"/>
+              </a:buClr>
+              <a:buSzPts val="3200"/>
+              <a:buChar char="•"/>
             </a:pPr>
             <a:r>
               <a:rPr lang="en-US"/>
-              <a:t>Self-signup and subscription</a:t>
+              <a:t>Fiefdoms</a:t>
             </a:r>
             <a:endParaRPr/>
           </a:p>
           <a:p>
-            <a:pPr indent="-285750" lvl="1" marL="742950" rtl="0" algn="l">
-              <a:spcBef>
-                <a:spcPts val="560"/>
-              </a:spcBef>
-              <a:spcAft>
-                <a:spcPts val="0"/>
-              </a:spcAft>
-              <a:buClr>
-                <a:schemeClr val="dk1"/>
-              </a:buClr>
-              <a:buSzPts val="2800"/>
-              <a:buChar char="–"/>
+            <a:pPr indent="-342900" lvl="0" marL="342900" rtl="0" algn="l">
+              <a:spcBef>
+                <a:spcPts val="640"/>
+              </a:spcBef>
+              <a:spcAft>
+                <a:spcPts val="0"/>
+              </a:spcAft>
+              <a:buClr>
+                <a:schemeClr val="dk1"/>
+              </a:buClr>
+              <a:buSzPts val="3200"/>
+              <a:buChar char="•"/>
             </a:pPr>
             <a:r>
               <a:rPr lang="en-US"/>
-              <a:t>Tracking and usage</a:t>
+              <a:t>Ecosystems / Value Webs</a:t>
             </a:r>
             <a:endParaRPr/>
           </a:p>
           <a:p>
-            <a:pPr indent="-285750" lvl="1" marL="742950" rtl="0" algn="l">
-              <a:spcBef>
-                <a:spcPts val="560"/>
-              </a:spcBef>
-              <a:spcAft>
-                <a:spcPts val="0"/>
-              </a:spcAft>
-              <a:buClr>
-                <a:schemeClr val="dk1"/>
-              </a:buClr>
-              <a:buSzPts val="2800"/>
-              <a:buChar char="–"/>
+            <a:pPr indent="-342900" lvl="0" marL="342900" rtl="0" algn="l">
+              <a:spcBef>
+                <a:spcPts val="640"/>
+              </a:spcBef>
+              <a:spcAft>
+                <a:spcPts val="0"/>
+              </a:spcAft>
+              <a:buClr>
+                <a:schemeClr val="dk1"/>
+              </a:buClr>
+              <a:buSzPts val="3200"/>
+              <a:buChar char="•"/>
             </a:pPr>
             <a:r>
               <a:rPr lang="en-US"/>
-              <a:t>Developer portals and ease-of-use</a:t>
+              <a:t>Shadow IT / Cloud </a:t>
             </a:r>
             <a:endParaRPr/>
           </a:p>
           <a:p>
-            <a:pPr indent="-285750" lvl="1" marL="742950" rtl="0" algn="l">
-              <a:spcBef>
-                <a:spcPts val="560"/>
-              </a:spcBef>
-              <a:spcAft>
-                <a:spcPts val="0"/>
-              </a:spcAft>
-              <a:buClr>
-                <a:schemeClr val="dk1"/>
-              </a:buClr>
-              <a:buSzPts val="2800"/>
-              <a:buChar char="–"/>
-            </a:pPr>
-            <a:r>
-              <a:rPr lang="en-US"/>
-              <a:t>Monetization</a:t>
-            </a:r>
-            <a:endParaRPr/>
-          </a:p>
-          <a:p>
-            <a:pPr indent="0" lvl="1" marL="457200" rtl="0" algn="l">
-              <a:spcBef>
-                <a:spcPts val="560"/>
-              </a:spcBef>
-              <a:spcAft>
-                <a:spcPts val="0"/>
-              </a:spcAft>
-              <a:buClr>
-                <a:schemeClr val="dk1"/>
-              </a:buClr>
-              <a:buSzPts val="2800"/>
+            <a:pPr indent="0" lvl="0" marL="0" rtl="0" algn="l">
+              <a:spcBef>
+                <a:spcPts val="640"/>
+              </a:spcBef>
+              <a:spcAft>
+                <a:spcPts val="0"/>
+              </a:spcAft>
+              <a:buClr>
+                <a:schemeClr val="dk1"/>
+              </a:buClr>
+              <a:buSzPts val="3200"/>
               <a:buNone/>
             </a:pPr>
             <a:r>
               <a:t/>
-            </a:r>
-            <a:endParaRPr/>
-          </a:p>
-        </p:txBody>
-      </p:sp>
-    </p:spTree>
-  </p:cSld>
-  <p:clrMapOvr>
-    <a:masterClrMapping/>
-  </p:clrMapOvr>
-</p:sld>
-</file>
-
-<file path=ppt/slides/slide11.xml><?xml version="1.0" encoding="utf-8"?>
-<p:sld xmlns:a="http://schemas.openxmlformats.org/drawingml/2006/main" xmlns:r="http://schemas.openxmlformats.org/officeDocument/2006/relationships" xmlns:mc="http://schemas.openxmlformats.org/markup-compatibility/2006" xmlns:mv="urn:schemas-microsoft-com:mac:vml" xmlns:p="http://schemas.openxmlformats.org/presentationml/2006/main" xmlns:c="http://schemas.openxmlformats.org/drawingml/2006/chart" xmlns:dgm="http://schemas.openxmlformats.org/drawingml/2006/diagram" xmlns:o="urn:schemas-microsoft-com:office:office" xmlns:v="urn:schemas-microsoft-com:vml" xmlns:pvml="urn:schemas-microsoft-com:office:powerpoint" xmlns:com="http://schemas.openxmlformats.org/drawingml/2006/compatibility" xmlns:p14="http://schemas.microsoft.com/office/powerpoint/2010/main" xmlns:p15="http://schemas.microsoft.com/office/powerpoint/2012/main" xmlns:ahyp="http://schemas.microsoft.com/office/drawing/2018/hyperlinkcolor">
-  <p:cSld>
-    <p:spTree>
-      <p:nvGrpSpPr>
-        <p:cNvPr id="141" name="Shape 141"/>
-        <p:cNvGrpSpPr/>
-        <p:nvPr/>
-      </p:nvGrpSpPr>
-      <p:grpSpPr>
-        <a:xfrm>
-          <a:off x="0" y="0"/>
-          <a:ext cx="0" cy="0"/>
-          <a:chOff x="0" y="0"/>
-          <a:chExt cx="0" cy="0"/>
-        </a:xfrm>
-      </p:grpSpPr>
-      <p:pic>
-        <p:nvPicPr>
-          <p:cNvPr id="142" name="Google Shape;142;p23"/>
-          <p:cNvPicPr preferRelativeResize="0"/>
-          <p:nvPr/>
-        </p:nvPicPr>
-        <p:blipFill rotWithShape="1">
-          <a:blip r:embed="rId3">
-            <a:alphaModFix/>
-          </a:blip>
-          <a:srcRect b="0" l="0" r="0" t="0"/>
-          <a:stretch/>
-        </p:blipFill>
-        <p:spPr>
-          <a:xfrm>
-            <a:off x="19538" y="990600"/>
-            <a:ext cx="9144000" cy="4869180"/>
-          </a:xfrm>
-          <a:prstGeom prst="rect">
-            <a:avLst/>
-          </a:prstGeom>
-          <a:noFill/>
-          <a:ln>
-            <a:noFill/>
-          </a:ln>
-        </p:spPr>
-      </p:pic>
-      <p:sp>
-        <p:nvSpPr>
-          <p:cNvPr id="143" name="Google Shape;143;p23"/>
-          <p:cNvSpPr txBox="1"/>
-          <p:nvPr/>
-        </p:nvSpPr>
-        <p:spPr>
-          <a:xfrm>
-            <a:off x="359473" y="5807561"/>
-            <a:ext cx="1351652" cy="369332"/>
-          </a:xfrm>
-          <a:prstGeom prst="rect">
-            <a:avLst/>
-          </a:prstGeom>
-          <a:noFill/>
-          <a:ln>
-            <a:noFill/>
-          </a:ln>
-        </p:spPr>
-        <p:txBody>
-          <a:bodyPr anchorCtr="0" anchor="t" bIns="45700" lIns="91425" spcFirstLastPara="1" rIns="91425" wrap="square" tIns="45700">
-            <a:spAutoFit/>
-          </a:bodyPr>
-          <a:lstStyle/>
-          <a:p>
-            <a:pPr indent="0" lvl="0" marL="0" marR="0" rtl="0" algn="l">
-              <a:spcBef>
-                <a:spcPts val="0"/>
-              </a:spcBef>
-              <a:spcAft>
-                <a:spcPts val="0"/>
-              </a:spcAft>
-              <a:buNone/>
-            </a:pPr>
-            <a:r>
-              <a:rPr lang="en-US" sz="1800">
-                <a:solidFill>
-                  <a:schemeClr val="dk1"/>
-                </a:solidFill>
-                <a:latin typeface="Calibri"/>
-                <a:ea typeface="Calibri"/>
-                <a:cs typeface="Calibri"/>
-                <a:sym typeface="Calibri"/>
-              </a:rPr>
-              <a:t>Source: PwC</a:t>
-            </a:r>
-            <a:endParaRPr/>
-          </a:p>
-        </p:txBody>
-      </p:sp>
-    </p:spTree>
-  </p:cSld>
-  <p:clrMapOvr>
-    <a:masterClrMapping/>
-  </p:clrMapOvr>
-</p:sld>
-</file>
-
-<file path=ppt/slides/slide12.xml><?xml version="1.0" encoding="utf-8"?>
-<p:sld xmlns:a="http://schemas.openxmlformats.org/drawingml/2006/main" xmlns:r="http://schemas.openxmlformats.org/officeDocument/2006/relationships" xmlns:mc="http://schemas.openxmlformats.org/markup-compatibility/2006" xmlns:mv="urn:schemas-microsoft-com:mac:vml" xmlns:p="http://schemas.openxmlformats.org/presentationml/2006/main" xmlns:c="http://schemas.openxmlformats.org/drawingml/2006/chart" xmlns:dgm="http://schemas.openxmlformats.org/drawingml/2006/diagram" xmlns:o="urn:schemas-microsoft-com:office:office" xmlns:v="urn:schemas-microsoft-com:vml" xmlns:pvml="urn:schemas-microsoft-com:office:powerpoint" xmlns:com="http://schemas.openxmlformats.org/drawingml/2006/compatibility" xmlns:p14="http://schemas.microsoft.com/office/powerpoint/2010/main" xmlns:p15="http://schemas.microsoft.com/office/powerpoint/2012/main" xmlns:ahyp="http://schemas.microsoft.com/office/drawing/2018/hyperlinkcolor">
-  <p:cSld>
-    <p:spTree>
-      <p:nvGrpSpPr>
-        <p:cNvPr id="147" name="Shape 147"/>
-        <p:cNvGrpSpPr/>
-        <p:nvPr/>
-      </p:nvGrpSpPr>
-      <p:grpSpPr>
-        <a:xfrm>
-          <a:off x="0" y="0"/>
-          <a:ext cx="0" cy="0"/>
-          <a:chOff x="0" y="0"/>
-          <a:chExt cx="0" cy="0"/>
-        </a:xfrm>
-      </p:grpSpPr>
-      <p:sp>
-        <p:nvSpPr>
-          <p:cNvPr id="148" name="Google Shape;148;p24"/>
-          <p:cNvSpPr txBox="1"/>
-          <p:nvPr>
-            <p:ph type="ctrTitle"/>
-          </p:nvPr>
-        </p:nvSpPr>
-        <p:spPr>
-          <a:xfrm>
-            <a:off x="685800" y="2130425"/>
-            <a:ext cx="7772400" cy="1470025"/>
-          </a:xfrm>
-          <a:prstGeom prst="rect">
-            <a:avLst/>
-          </a:prstGeom>
-          <a:noFill/>
-          <a:ln>
-            <a:noFill/>
-          </a:ln>
-        </p:spPr>
-        <p:txBody>
-          <a:bodyPr anchorCtr="0" anchor="ctr" bIns="45700" lIns="91425" spcFirstLastPara="1" rIns="91425" wrap="square" tIns="45700">
-            <a:normAutofit/>
-          </a:bodyPr>
-          <a:lstStyle/>
-          <a:p>
-            <a:pPr indent="0" lvl="0" marL="0" rtl="0" algn="ctr">
-              <a:spcBef>
-                <a:spcPts val="0"/>
-              </a:spcBef>
-              <a:spcAft>
-                <a:spcPts val="0"/>
-              </a:spcAft>
-              <a:buClr>
-                <a:schemeClr val="dk1"/>
-              </a:buClr>
-              <a:buSzPts val="4400"/>
-              <a:buFont typeface="Montserrat"/>
-              <a:buNone/>
-            </a:pPr>
-            <a:r>
-              <a:t/>
-            </a:r>
-            <a:endParaRPr/>
-          </a:p>
-        </p:txBody>
-      </p:sp>
-      <p:pic>
-        <p:nvPicPr>
-          <p:cNvPr id="149" name="Google Shape;149;p24"/>
-          <p:cNvPicPr preferRelativeResize="0"/>
-          <p:nvPr/>
-        </p:nvPicPr>
-        <p:blipFill rotWithShape="1">
-          <a:blip r:embed="rId3">
-            <a:alphaModFix/>
-          </a:blip>
-          <a:srcRect b="0" l="0" r="0" t="0"/>
-          <a:stretch/>
-        </p:blipFill>
-        <p:spPr>
-          <a:xfrm>
-            <a:off x="0" y="662552"/>
-            <a:ext cx="9144000" cy="3966210"/>
-          </a:xfrm>
-          <a:prstGeom prst="rect">
-            <a:avLst/>
-          </a:prstGeom>
-          <a:noFill/>
-          <a:ln>
-            <a:noFill/>
-          </a:ln>
-        </p:spPr>
-      </p:pic>
-      <p:sp>
-        <p:nvSpPr>
-          <p:cNvPr id="150" name="Google Shape;150;p24"/>
-          <p:cNvSpPr txBox="1"/>
-          <p:nvPr/>
-        </p:nvSpPr>
-        <p:spPr>
-          <a:xfrm>
-            <a:off x="510780" y="5839827"/>
-            <a:ext cx="1351652" cy="369332"/>
-          </a:xfrm>
-          <a:prstGeom prst="rect">
-            <a:avLst/>
-          </a:prstGeom>
-          <a:noFill/>
-          <a:ln>
-            <a:noFill/>
-          </a:ln>
-        </p:spPr>
-        <p:txBody>
-          <a:bodyPr anchorCtr="0" anchor="t" bIns="45700" lIns="91425" spcFirstLastPara="1" rIns="91425" wrap="square" tIns="45700">
-            <a:spAutoFit/>
-          </a:bodyPr>
-          <a:lstStyle/>
-          <a:p>
-            <a:pPr indent="0" lvl="0" marL="0" marR="0" rtl="0" algn="l">
-              <a:spcBef>
-                <a:spcPts val="0"/>
-              </a:spcBef>
-              <a:spcAft>
-                <a:spcPts val="0"/>
-              </a:spcAft>
-              <a:buNone/>
-            </a:pPr>
-            <a:r>
-              <a:rPr lang="en-US" sz="1800">
-                <a:solidFill>
-                  <a:schemeClr val="dk1"/>
-                </a:solidFill>
-                <a:latin typeface="Calibri"/>
-                <a:ea typeface="Calibri"/>
-                <a:cs typeface="Calibri"/>
-                <a:sym typeface="Calibri"/>
-              </a:rPr>
-              <a:t>Source: PwC</a:t>
             </a:r>
             <a:endParaRPr/>
           </a:p>
@@ -15166,713 +15097,9 @@
           <a:chExt cx="0" cy="0"/>
         </a:xfrm>
       </p:grpSpPr>
-      <p:sp>
-        <p:nvSpPr>
-          <p:cNvPr id="155" name="Google Shape;155;p25"/>
-          <p:cNvSpPr txBox="1"/>
-          <p:nvPr>
-            <p:ph type="title"/>
-          </p:nvPr>
-        </p:nvSpPr>
-        <p:spPr>
-          <a:xfrm>
-            <a:off x="457200" y="274638"/>
-            <a:ext cx="8229600" cy="1143000"/>
-          </a:xfrm>
-          <a:prstGeom prst="rect">
-            <a:avLst/>
-          </a:prstGeom>
-          <a:noFill/>
-          <a:ln>
-            <a:noFill/>
-          </a:ln>
-        </p:spPr>
-        <p:txBody>
-          <a:bodyPr anchorCtr="0" anchor="ctr" bIns="45700" lIns="91425" spcFirstLastPara="1" rIns="91425" wrap="square" tIns="45700">
-            <a:normAutofit fontScale="90000"/>
-          </a:bodyPr>
-          <a:lstStyle/>
-          <a:p>
-            <a:pPr indent="0" lvl="0" marL="0" rtl="0" algn="ctr">
-              <a:spcBef>
-                <a:spcPts val="0"/>
-              </a:spcBef>
-              <a:spcAft>
-                <a:spcPts val="0"/>
-              </a:spcAft>
-              <a:buClr>
-                <a:schemeClr val="dk1"/>
-              </a:buClr>
-              <a:buSzPct val="100000"/>
-              <a:buFont typeface="Montserrat"/>
-              <a:buNone/>
-            </a:pPr>
-            <a:r>
-              <a:rPr lang="en-US"/>
-              <a:t>Orchestration and Composition</a:t>
-            </a:r>
-            <a:endParaRPr/>
-          </a:p>
-        </p:txBody>
-      </p:sp>
-      <p:sp>
-        <p:nvSpPr>
-          <p:cNvPr id="156" name="Google Shape;156;p25"/>
-          <p:cNvSpPr txBox="1"/>
-          <p:nvPr>
-            <p:ph idx="1" type="body"/>
-          </p:nvPr>
-        </p:nvSpPr>
-        <p:spPr>
-          <a:xfrm>
-            <a:off x="375635" y="1600200"/>
-            <a:ext cx="8229600" cy="4525963"/>
-          </a:xfrm>
-          <a:prstGeom prst="rect">
-            <a:avLst/>
-          </a:prstGeom>
-          <a:noFill/>
-          <a:ln>
-            <a:noFill/>
-          </a:ln>
-        </p:spPr>
-        <p:txBody>
-          <a:bodyPr anchorCtr="0" anchor="t" bIns="45700" lIns="91425" spcFirstLastPara="1" rIns="91425" wrap="square" tIns="45700">
-            <a:normAutofit/>
-          </a:bodyPr>
-          <a:lstStyle/>
-          <a:p>
-            <a:pPr indent="-342900" lvl="0" marL="342900" rtl="0" algn="l">
-              <a:spcBef>
-                <a:spcPts val="0"/>
-              </a:spcBef>
-              <a:spcAft>
-                <a:spcPts val="0"/>
-              </a:spcAft>
-              <a:buClr>
-                <a:schemeClr val="dk1"/>
-              </a:buClr>
-              <a:buSzPts val="3200"/>
-              <a:buChar char="•"/>
-            </a:pPr>
-            <a:r>
-              <a:rPr lang="en-US"/>
-              <a:t>BPMN, BPEL</a:t>
-            </a:r>
-            <a:endParaRPr/>
-          </a:p>
-          <a:p>
-            <a:pPr indent="-342900" lvl="0" marL="342900" rtl="0" algn="l">
-              <a:spcBef>
-                <a:spcPts val="640"/>
-              </a:spcBef>
-              <a:spcAft>
-                <a:spcPts val="0"/>
-              </a:spcAft>
-              <a:buClr>
-                <a:schemeClr val="dk1"/>
-              </a:buClr>
-              <a:buSzPts val="3200"/>
-              <a:buChar char="•"/>
-            </a:pPr>
-            <a:r>
-              <a:rPr lang="en-US"/>
-              <a:t>Executable Documentation?</a:t>
-            </a:r>
-            <a:endParaRPr/>
-          </a:p>
-          <a:p>
-            <a:pPr indent="-342900" lvl="0" marL="342900" rtl="0" algn="l">
-              <a:spcBef>
-                <a:spcPts val="640"/>
-              </a:spcBef>
-              <a:spcAft>
-                <a:spcPts val="0"/>
-              </a:spcAft>
-              <a:buClr>
-                <a:schemeClr val="dk1"/>
-              </a:buClr>
-              <a:buSzPts val="3200"/>
-              <a:buChar char="•"/>
-            </a:pPr>
-            <a:r>
-              <a:rPr lang="en-US"/>
-              <a:t>Visibility and Monitoring</a:t>
-            </a:r>
-            <a:endParaRPr/>
-          </a:p>
-          <a:p>
-            <a:pPr indent="0" lvl="0" marL="0" rtl="0" algn="l">
-              <a:spcBef>
-                <a:spcPts val="640"/>
-              </a:spcBef>
-              <a:spcAft>
-                <a:spcPts val="0"/>
-              </a:spcAft>
-              <a:buClr>
-                <a:schemeClr val="dk1"/>
-              </a:buClr>
-              <a:buSzPts val="3200"/>
-              <a:buNone/>
-            </a:pPr>
-            <a:r>
-              <a:t/>
-            </a:r>
-            <a:endParaRPr/>
-          </a:p>
-        </p:txBody>
-      </p:sp>
-    </p:spTree>
-  </p:cSld>
-  <p:clrMapOvr>
-    <a:masterClrMapping/>
-  </p:clrMapOvr>
-</p:sld>
-</file>
-
-<file path=ppt/slides/slide14.xml><?xml version="1.0" encoding="utf-8"?>
-<p:sld xmlns:a="http://schemas.openxmlformats.org/drawingml/2006/main" xmlns:r="http://schemas.openxmlformats.org/officeDocument/2006/relationships" xmlns:mc="http://schemas.openxmlformats.org/markup-compatibility/2006" xmlns:mv="urn:schemas-microsoft-com:mac:vml" xmlns:p="http://schemas.openxmlformats.org/presentationml/2006/main" xmlns:c="http://schemas.openxmlformats.org/drawingml/2006/chart" xmlns:dgm="http://schemas.openxmlformats.org/drawingml/2006/diagram" xmlns:o="urn:schemas-microsoft-com:office:office" xmlns:v="urn:schemas-microsoft-com:vml" xmlns:pvml="urn:schemas-microsoft-com:office:powerpoint" xmlns:com="http://schemas.openxmlformats.org/drawingml/2006/compatibility" xmlns:p14="http://schemas.microsoft.com/office/powerpoint/2010/main" xmlns:p15="http://schemas.microsoft.com/office/powerpoint/2012/main" xmlns:ahyp="http://schemas.microsoft.com/office/drawing/2018/hyperlinkcolor">
-  <p:cSld>
-    <p:spTree>
-      <p:nvGrpSpPr>
-        <p:cNvPr id="160" name="Shape 160"/>
-        <p:cNvGrpSpPr/>
-        <p:nvPr/>
-      </p:nvGrpSpPr>
-      <p:grpSpPr>
-        <a:xfrm>
-          <a:off x="0" y="0"/>
-          <a:ext cx="0" cy="0"/>
-          <a:chOff x="0" y="0"/>
-          <a:chExt cx="0" cy="0"/>
-        </a:xfrm>
-      </p:grpSpPr>
-      <p:sp>
-        <p:nvSpPr>
-          <p:cNvPr id="161" name="Google Shape;161;p26"/>
-          <p:cNvSpPr txBox="1"/>
-          <p:nvPr>
-            <p:ph type="title"/>
-          </p:nvPr>
-        </p:nvSpPr>
-        <p:spPr>
-          <a:xfrm>
-            <a:off x="457200" y="274638"/>
-            <a:ext cx="8229600" cy="1143000"/>
-          </a:xfrm>
-          <a:prstGeom prst="rect">
-            <a:avLst/>
-          </a:prstGeom>
-          <a:noFill/>
-          <a:ln>
-            <a:noFill/>
-          </a:ln>
-        </p:spPr>
-        <p:txBody>
-          <a:bodyPr anchorCtr="0" anchor="ctr" bIns="45700" lIns="91425" spcFirstLastPara="1" rIns="91425" wrap="square" tIns="45700">
-            <a:normAutofit/>
-          </a:bodyPr>
-          <a:lstStyle/>
-          <a:p>
-            <a:pPr indent="0" lvl="0" marL="0" rtl="0" algn="ctr">
-              <a:spcBef>
-                <a:spcPts val="0"/>
-              </a:spcBef>
-              <a:spcAft>
-                <a:spcPts val="0"/>
-              </a:spcAft>
-              <a:buClr>
-                <a:schemeClr val="dk1"/>
-              </a:buClr>
-              <a:buSzPts val="4400"/>
-              <a:buFont typeface="Montserrat"/>
-              <a:buNone/>
-            </a:pPr>
-            <a:r>
-              <a:rPr lang="en-US"/>
-              <a:t>Design Considerations</a:t>
-            </a:r>
-            <a:endParaRPr/>
-          </a:p>
-        </p:txBody>
-      </p:sp>
-      <p:sp>
-        <p:nvSpPr>
-          <p:cNvPr id="162" name="Google Shape;162;p26"/>
-          <p:cNvSpPr txBox="1"/>
-          <p:nvPr>
-            <p:ph idx="1" type="body"/>
-          </p:nvPr>
-        </p:nvSpPr>
-        <p:spPr>
-          <a:xfrm>
-            <a:off x="375635" y="1600200"/>
-            <a:ext cx="8229600" cy="4525963"/>
-          </a:xfrm>
-          <a:prstGeom prst="rect">
-            <a:avLst/>
-          </a:prstGeom>
-          <a:noFill/>
-          <a:ln>
-            <a:noFill/>
-          </a:ln>
-        </p:spPr>
-        <p:txBody>
-          <a:bodyPr anchorCtr="0" anchor="t" bIns="45700" lIns="91425" spcFirstLastPara="1" rIns="91425" wrap="square" tIns="45700">
-            <a:normAutofit fontScale="85000" lnSpcReduction="20000"/>
-          </a:bodyPr>
-          <a:lstStyle/>
-          <a:p>
-            <a:pPr indent="-373380" lvl="0" marL="342900" rtl="0" algn="l">
-              <a:spcBef>
-                <a:spcPts val="0"/>
-              </a:spcBef>
-              <a:spcAft>
-                <a:spcPts val="0"/>
-              </a:spcAft>
-              <a:buClr>
-                <a:schemeClr val="dk1"/>
-              </a:buClr>
-              <a:buSzPct val="100000"/>
-              <a:buChar char="•"/>
-            </a:pPr>
-            <a:r>
-              <a:rPr lang="en-US"/>
-              <a:t>Granularity of Services</a:t>
-            </a:r>
-            <a:endParaRPr/>
-          </a:p>
-          <a:p>
-            <a:pPr indent="-312419" lvl="1" marL="742950" rtl="0" algn="l">
-              <a:spcBef>
-                <a:spcPts val="392"/>
-              </a:spcBef>
-              <a:spcAft>
-                <a:spcPts val="0"/>
-              </a:spcAft>
-              <a:buClr>
-                <a:schemeClr val="dk1"/>
-              </a:buClr>
-              <a:buSzPct val="100000"/>
-              <a:buChar char="–"/>
-            </a:pPr>
-            <a:r>
-              <a:rPr lang="en-US"/>
-              <a:t>Microservices</a:t>
-            </a:r>
-            <a:endParaRPr/>
-          </a:p>
-          <a:p>
-            <a:pPr indent="-312419" lvl="1" marL="742950" rtl="0" algn="l">
-              <a:spcBef>
-                <a:spcPts val="392"/>
-              </a:spcBef>
-              <a:spcAft>
-                <a:spcPts val="0"/>
-              </a:spcAft>
-              <a:buClr>
-                <a:schemeClr val="dk1"/>
-              </a:buClr>
-              <a:buSzPct val="100000"/>
-              <a:buChar char="–"/>
-            </a:pPr>
-            <a:r>
-              <a:rPr lang="en-US"/>
-              <a:t>Monolith First? Microservice First?</a:t>
-            </a:r>
-            <a:endParaRPr/>
-          </a:p>
-          <a:p>
-            <a:pPr indent="-373380" lvl="0" marL="342900" rtl="0" algn="l">
-              <a:spcBef>
-                <a:spcPts val="448"/>
-              </a:spcBef>
-              <a:spcAft>
-                <a:spcPts val="0"/>
-              </a:spcAft>
-              <a:buClr>
-                <a:schemeClr val="dk1"/>
-              </a:buClr>
-              <a:buSzPct val="100000"/>
-              <a:buChar char="•"/>
-            </a:pPr>
-            <a:r>
-              <a:rPr lang="en-US"/>
-              <a:t>Ensuring that SOA is being used for a good reason:</a:t>
-            </a:r>
-            <a:endParaRPr/>
-          </a:p>
-          <a:p>
-            <a:pPr indent="-312419" lvl="1" marL="742950" rtl="0" algn="l">
-              <a:spcBef>
-                <a:spcPts val="392"/>
-              </a:spcBef>
-              <a:spcAft>
-                <a:spcPts val="0"/>
-              </a:spcAft>
-              <a:buClr>
-                <a:schemeClr val="dk1"/>
-              </a:buClr>
-              <a:buSzPct val="100000"/>
-              <a:buChar char="–"/>
-            </a:pPr>
-            <a:r>
-              <a:rPr lang="en-US"/>
-              <a:t>Scale</a:t>
-            </a:r>
-            <a:endParaRPr/>
-          </a:p>
-          <a:p>
-            <a:pPr indent="-312419" lvl="1" marL="742950" rtl="0" algn="l">
-              <a:spcBef>
-                <a:spcPts val="392"/>
-              </a:spcBef>
-              <a:spcAft>
-                <a:spcPts val="0"/>
-              </a:spcAft>
-              <a:buClr>
-                <a:schemeClr val="dk1"/>
-              </a:buClr>
-              <a:buSzPct val="100000"/>
-              <a:buChar char="–"/>
-            </a:pPr>
-            <a:r>
-              <a:rPr lang="en-US"/>
-              <a:t>Organizational boundaries</a:t>
-            </a:r>
-            <a:endParaRPr/>
-          </a:p>
-          <a:p>
-            <a:pPr indent="-312419" lvl="1" marL="742950" rtl="0" algn="l">
-              <a:spcBef>
-                <a:spcPts val="392"/>
-              </a:spcBef>
-              <a:spcAft>
-                <a:spcPts val="0"/>
-              </a:spcAft>
-              <a:buClr>
-                <a:schemeClr val="dk1"/>
-              </a:buClr>
-              <a:buSzPct val="100000"/>
-              <a:buChar char="–"/>
-            </a:pPr>
-            <a:r>
-              <a:rPr lang="en-US"/>
-              <a:t>Evolvability</a:t>
-            </a:r>
-            <a:endParaRPr/>
-          </a:p>
-          <a:p>
-            <a:pPr indent="-373380" lvl="0" marL="342900" rtl="0" algn="l">
-              <a:spcBef>
-                <a:spcPts val="448"/>
-              </a:spcBef>
-              <a:spcAft>
-                <a:spcPts val="0"/>
-              </a:spcAft>
-              <a:buClr>
-                <a:schemeClr val="dk1"/>
-              </a:buClr>
-              <a:buSzPct val="100000"/>
-              <a:buChar char="•"/>
-            </a:pPr>
-            <a:r>
-              <a:rPr lang="en-US"/>
-              <a:t>Where to draw the boundaries?</a:t>
-            </a:r>
-            <a:endParaRPr/>
-          </a:p>
-          <a:p>
-            <a:pPr indent="-312419" lvl="1" marL="742950" rtl="0" algn="l">
-              <a:spcBef>
-                <a:spcPts val="392"/>
-              </a:spcBef>
-              <a:spcAft>
-                <a:spcPts val="0"/>
-              </a:spcAft>
-              <a:buClr>
-                <a:schemeClr val="dk1"/>
-              </a:buClr>
-              <a:buSzPct val="100000"/>
-              <a:buChar char="–"/>
-            </a:pPr>
-            <a:r>
-              <a:rPr lang="en-US"/>
-              <a:t>Between services</a:t>
-            </a:r>
-            <a:endParaRPr/>
-          </a:p>
-          <a:p>
-            <a:pPr indent="-312419" lvl="1" marL="742950" rtl="0" algn="l">
-              <a:spcBef>
-                <a:spcPts val="392"/>
-              </a:spcBef>
-              <a:spcAft>
-                <a:spcPts val="0"/>
-              </a:spcAft>
-              <a:buClr>
-                <a:schemeClr val="dk1"/>
-              </a:buClr>
-              <a:buSzPct val="100000"/>
-              <a:buChar char="–"/>
-            </a:pPr>
-            <a:r>
-              <a:rPr lang="en-US"/>
-              <a:t>Between microservices and services</a:t>
-            </a:r>
-            <a:endParaRPr/>
-          </a:p>
-          <a:p>
-            <a:pPr indent="-312419" lvl="1" marL="742950" rtl="0" algn="l">
-              <a:spcBef>
-                <a:spcPts val="392"/>
-              </a:spcBef>
-              <a:spcAft>
-                <a:spcPts val="0"/>
-              </a:spcAft>
-              <a:buClr>
-                <a:schemeClr val="dk1"/>
-              </a:buClr>
-              <a:buSzPct val="100000"/>
-              <a:buChar char="–"/>
-            </a:pPr>
-            <a:r>
-              <a:rPr lang="en-US"/>
-              <a:t>Are your layers right?</a:t>
-            </a:r>
-            <a:endParaRPr/>
-          </a:p>
-        </p:txBody>
-      </p:sp>
-    </p:spTree>
-  </p:cSld>
-  <p:clrMapOvr>
-    <a:masterClrMapping/>
-  </p:clrMapOvr>
-</p:sld>
-</file>
-
-<file path=ppt/slides/slide15.xml><?xml version="1.0" encoding="utf-8"?>
-<p:sld xmlns:a="http://schemas.openxmlformats.org/drawingml/2006/main" xmlns:r="http://schemas.openxmlformats.org/officeDocument/2006/relationships" xmlns:mc="http://schemas.openxmlformats.org/markup-compatibility/2006" xmlns:mv="urn:schemas-microsoft-com:mac:vml" xmlns:p="http://schemas.openxmlformats.org/presentationml/2006/main" xmlns:c="http://schemas.openxmlformats.org/drawingml/2006/chart" xmlns:dgm="http://schemas.openxmlformats.org/drawingml/2006/diagram" xmlns:o="urn:schemas-microsoft-com:office:office" xmlns:v="urn:schemas-microsoft-com:vml" xmlns:pvml="urn:schemas-microsoft-com:office:powerpoint" xmlns:com="http://schemas.openxmlformats.org/drawingml/2006/compatibility" xmlns:p14="http://schemas.microsoft.com/office/powerpoint/2010/main" xmlns:p15="http://schemas.microsoft.com/office/powerpoint/2012/main" xmlns:ahyp="http://schemas.microsoft.com/office/drawing/2018/hyperlinkcolor">
-  <p:cSld>
-    <p:spTree>
-      <p:nvGrpSpPr>
-        <p:cNvPr id="166" name="Shape 166"/>
-        <p:cNvGrpSpPr/>
-        <p:nvPr/>
-      </p:nvGrpSpPr>
-      <p:grpSpPr>
-        <a:xfrm>
-          <a:off x="0" y="0"/>
-          <a:ext cx="0" cy="0"/>
-          <a:chOff x="0" y="0"/>
-          <a:chExt cx="0" cy="0"/>
-        </a:xfrm>
-      </p:grpSpPr>
-      <p:sp>
-        <p:nvSpPr>
-          <p:cNvPr id="167" name="Google Shape;167;p27"/>
-          <p:cNvSpPr txBox="1"/>
-          <p:nvPr>
-            <p:ph type="title"/>
-          </p:nvPr>
-        </p:nvSpPr>
-        <p:spPr>
-          <a:xfrm>
-            <a:off x="457200" y="274638"/>
-            <a:ext cx="8229600" cy="1143000"/>
-          </a:xfrm>
-          <a:prstGeom prst="rect">
-            <a:avLst/>
-          </a:prstGeom>
-          <a:noFill/>
-          <a:ln>
-            <a:noFill/>
-          </a:ln>
-        </p:spPr>
-        <p:txBody>
-          <a:bodyPr anchorCtr="0" anchor="ctr" bIns="45700" lIns="91425" spcFirstLastPara="1" rIns="91425" wrap="square" tIns="45700">
-            <a:normAutofit/>
-          </a:bodyPr>
-          <a:lstStyle/>
-          <a:p>
-            <a:pPr indent="0" lvl="0" marL="0" rtl="0" algn="ctr">
-              <a:spcBef>
-                <a:spcPts val="0"/>
-              </a:spcBef>
-              <a:spcAft>
-                <a:spcPts val="0"/>
-              </a:spcAft>
-              <a:buClr>
-                <a:schemeClr val="dk1"/>
-              </a:buClr>
-              <a:buSzPts val="4400"/>
-              <a:buFont typeface="Montserrat"/>
-              <a:buNone/>
-            </a:pPr>
-            <a:r>
-              <a:rPr lang="en-US"/>
-              <a:t>Organizational issues</a:t>
-            </a:r>
-            <a:endParaRPr/>
-          </a:p>
-        </p:txBody>
-      </p:sp>
-      <p:sp>
-        <p:nvSpPr>
-          <p:cNvPr id="168" name="Google Shape;168;p27"/>
-          <p:cNvSpPr txBox="1"/>
-          <p:nvPr>
-            <p:ph idx="1" type="body"/>
-          </p:nvPr>
-        </p:nvSpPr>
-        <p:spPr>
-          <a:xfrm>
-            <a:off x="375635" y="1600200"/>
-            <a:ext cx="8229600" cy="4525963"/>
-          </a:xfrm>
-          <a:prstGeom prst="rect">
-            <a:avLst/>
-          </a:prstGeom>
-          <a:noFill/>
-          <a:ln>
-            <a:noFill/>
-          </a:ln>
-        </p:spPr>
-        <p:txBody>
-          <a:bodyPr anchorCtr="0" anchor="t" bIns="45700" lIns="91425" spcFirstLastPara="1" rIns="91425" wrap="square" tIns="45700">
-            <a:normAutofit/>
-          </a:bodyPr>
-          <a:lstStyle/>
-          <a:p>
-            <a:pPr indent="-342900" lvl="0" marL="342900" rtl="0" algn="l">
-              <a:spcBef>
-                <a:spcPts val="0"/>
-              </a:spcBef>
-              <a:spcAft>
-                <a:spcPts val="0"/>
-              </a:spcAft>
-              <a:buClr>
-                <a:schemeClr val="dk1"/>
-              </a:buClr>
-              <a:buSzPts val="3200"/>
-              <a:buChar char="•"/>
-            </a:pPr>
-            <a:r>
-              <a:rPr lang="en-US"/>
-              <a:t>Funding models</a:t>
-            </a:r>
-            <a:endParaRPr/>
-          </a:p>
-          <a:p>
-            <a:pPr indent="-342900" lvl="0" marL="342900" rtl="0" algn="l">
-              <a:spcBef>
-                <a:spcPts val="640"/>
-              </a:spcBef>
-              <a:spcAft>
-                <a:spcPts val="0"/>
-              </a:spcAft>
-              <a:buClr>
-                <a:schemeClr val="dk1"/>
-              </a:buClr>
-              <a:buSzPts val="3200"/>
-              <a:buChar char="•"/>
-            </a:pPr>
-            <a:r>
-              <a:rPr lang="en-US"/>
-              <a:t>Fiefdoms</a:t>
-            </a:r>
-            <a:endParaRPr/>
-          </a:p>
-          <a:p>
-            <a:pPr indent="-342900" lvl="0" marL="342900" rtl="0" algn="l">
-              <a:spcBef>
-                <a:spcPts val="640"/>
-              </a:spcBef>
-              <a:spcAft>
-                <a:spcPts val="0"/>
-              </a:spcAft>
-              <a:buClr>
-                <a:schemeClr val="dk1"/>
-              </a:buClr>
-              <a:buSzPts val="3200"/>
-              <a:buChar char="•"/>
-            </a:pPr>
-            <a:r>
-              <a:rPr lang="en-US"/>
-              <a:t>Ecosystems / Value Webs</a:t>
-            </a:r>
-            <a:endParaRPr/>
-          </a:p>
-          <a:p>
-            <a:pPr indent="-342900" lvl="0" marL="342900" rtl="0" algn="l">
-              <a:spcBef>
-                <a:spcPts val="640"/>
-              </a:spcBef>
-              <a:spcAft>
-                <a:spcPts val="0"/>
-              </a:spcAft>
-              <a:buClr>
-                <a:schemeClr val="dk1"/>
-              </a:buClr>
-              <a:buSzPts val="3200"/>
-              <a:buChar char="•"/>
-            </a:pPr>
-            <a:r>
-              <a:rPr lang="en-US"/>
-              <a:t>Shadow IT / Cloud </a:t>
-            </a:r>
-            <a:endParaRPr/>
-          </a:p>
-          <a:p>
-            <a:pPr indent="0" lvl="0" marL="0" rtl="0" algn="l">
-              <a:spcBef>
-                <a:spcPts val="640"/>
-              </a:spcBef>
-              <a:spcAft>
-                <a:spcPts val="0"/>
-              </a:spcAft>
-              <a:buClr>
-                <a:schemeClr val="dk1"/>
-              </a:buClr>
-              <a:buSzPts val="3200"/>
-              <a:buNone/>
-            </a:pPr>
-            <a:r>
-              <a:t/>
-            </a:r>
-            <a:endParaRPr/>
-          </a:p>
-        </p:txBody>
-      </p:sp>
-    </p:spTree>
-  </p:cSld>
-  <p:clrMapOvr>
-    <a:masterClrMapping/>
-  </p:clrMapOvr>
-</p:sld>
-</file>
-
-<file path=ppt/slides/slide16.xml><?xml version="1.0" encoding="utf-8"?>
-<p:sld xmlns:a="http://schemas.openxmlformats.org/drawingml/2006/main" xmlns:r="http://schemas.openxmlformats.org/officeDocument/2006/relationships" xmlns:mc="http://schemas.openxmlformats.org/markup-compatibility/2006" xmlns:mv="urn:schemas-microsoft-com:mac:vml" xmlns:p="http://schemas.openxmlformats.org/presentationml/2006/main" xmlns:c="http://schemas.openxmlformats.org/drawingml/2006/chart" xmlns:dgm="http://schemas.openxmlformats.org/drawingml/2006/diagram" xmlns:o="urn:schemas-microsoft-com:office:office" xmlns:v="urn:schemas-microsoft-com:vml" xmlns:pvml="urn:schemas-microsoft-com:office:powerpoint" xmlns:com="http://schemas.openxmlformats.org/drawingml/2006/compatibility" xmlns:p14="http://schemas.microsoft.com/office/powerpoint/2010/main" xmlns:p15="http://schemas.microsoft.com/office/powerpoint/2012/main" xmlns:ahyp="http://schemas.microsoft.com/office/drawing/2018/hyperlinkcolor">
-  <p:cSld>
-    <p:spTree>
-      <p:nvGrpSpPr>
-        <p:cNvPr id="172" name="Shape 172"/>
-        <p:cNvGrpSpPr/>
-        <p:nvPr/>
-      </p:nvGrpSpPr>
-      <p:grpSpPr>
-        <a:xfrm>
-          <a:off x="0" y="0"/>
-          <a:ext cx="0" cy="0"/>
-          <a:chOff x="0" y="0"/>
-          <a:chExt cx="0" cy="0"/>
-        </a:xfrm>
-      </p:grpSpPr>
       <p:pic>
         <p:nvPicPr>
-          <p:cNvPr id="173" name="Google Shape;173;p28"/>
+          <p:cNvPr id="155" name="Google Shape;155;p25"/>
           <p:cNvPicPr preferRelativeResize="0"/>
           <p:nvPr/>
         </p:nvPicPr>
@@ -15905,12 +15132,12 @@
 </p:sld>
 </file>
 
-<file path=ppt/slides/slide17.xml><?xml version="1.0" encoding="utf-8"?>
+<file path=ppt/slides/slide14.xml><?xml version="1.0" encoding="utf-8"?>
 <p:sld xmlns:a="http://schemas.openxmlformats.org/drawingml/2006/main" xmlns:r="http://schemas.openxmlformats.org/officeDocument/2006/relationships" xmlns:mc="http://schemas.openxmlformats.org/markup-compatibility/2006" xmlns:mv="urn:schemas-microsoft-com:mac:vml" xmlns:p="http://schemas.openxmlformats.org/presentationml/2006/main" xmlns:c="http://schemas.openxmlformats.org/drawingml/2006/chart" xmlns:dgm="http://schemas.openxmlformats.org/drawingml/2006/diagram" xmlns:o="urn:schemas-microsoft-com:office:office" xmlns:v="urn:schemas-microsoft-com:vml" xmlns:pvml="urn:schemas-microsoft-com:office:powerpoint" xmlns:com="http://schemas.openxmlformats.org/drawingml/2006/compatibility" xmlns:p14="http://schemas.microsoft.com/office/powerpoint/2010/main" xmlns:p15="http://schemas.microsoft.com/office/powerpoint/2012/main" xmlns:ahyp="http://schemas.microsoft.com/office/drawing/2018/hyperlinkcolor">
   <p:cSld>
     <p:spTree>
       <p:nvGrpSpPr>
-        <p:cNvPr id="177" name="Shape 177"/>
+        <p:cNvPr id="159" name="Shape 159"/>
         <p:cNvGrpSpPr/>
         <p:nvPr/>
       </p:nvGrpSpPr>
@@ -15924,7 +15151,7 @@
       </p:grpSpPr>
       <p:sp>
         <p:nvSpPr>
-          <p:cNvPr id="178" name="Google Shape;178;p29"/>
+          <p:cNvPr id="160" name="Google Shape;160;p26"/>
           <p:cNvSpPr txBox="1"/>
           <p:nvPr>
             <p:ph type="title"/>
@@ -15973,7 +15200,7 @@
       </p:sp>
       <p:sp>
         <p:nvSpPr>
-          <p:cNvPr id="179" name="Google Shape;179;p29"/>
+          <p:cNvPr id="161" name="Google Shape;161;p26"/>
           <p:cNvSpPr txBox="1"/>
           <p:nvPr>
             <p:ph idx="1" type="body"/>
@@ -16066,12 +15293,12 @@
 </p:sld>
 </file>
 
-<file path=ppt/slides/slide18.xml><?xml version="1.0" encoding="utf-8"?>
+<file path=ppt/slides/slide15.xml><?xml version="1.0" encoding="utf-8"?>
 <p:sld xmlns:a="http://schemas.openxmlformats.org/drawingml/2006/main" xmlns:r="http://schemas.openxmlformats.org/officeDocument/2006/relationships" xmlns:mc="http://schemas.openxmlformats.org/markup-compatibility/2006" xmlns:mv="urn:schemas-microsoft-com:mac:vml" xmlns:p="http://schemas.openxmlformats.org/presentationml/2006/main" xmlns:c="http://schemas.openxmlformats.org/drawingml/2006/chart" xmlns:dgm="http://schemas.openxmlformats.org/drawingml/2006/diagram" xmlns:o="urn:schemas-microsoft-com:office:office" xmlns:v="urn:schemas-microsoft-com:vml" xmlns:pvml="urn:schemas-microsoft-com:office:powerpoint" xmlns:com="http://schemas.openxmlformats.org/drawingml/2006/compatibility" xmlns:p14="http://schemas.microsoft.com/office/powerpoint/2010/main" xmlns:p15="http://schemas.microsoft.com/office/powerpoint/2012/main" xmlns:ahyp="http://schemas.microsoft.com/office/drawing/2018/hyperlinkcolor">
   <p:cSld>
     <p:spTree>
       <p:nvGrpSpPr>
-        <p:cNvPr id="183" name="Shape 183"/>
+        <p:cNvPr id="165" name="Shape 165"/>
         <p:cNvGrpSpPr/>
         <p:nvPr/>
       </p:nvGrpSpPr>
@@ -16085,7 +15312,7 @@
       </p:grpSpPr>
       <p:sp>
         <p:nvSpPr>
-          <p:cNvPr id="184" name="Google Shape;184;p30"/>
+          <p:cNvPr id="166" name="Google Shape;166;p27"/>
           <p:cNvSpPr txBox="1"/>
           <p:nvPr>
             <p:ph type="title"/>
@@ -16140,12 +15367,12 @@
 </p:sld>
 </file>
 
-<file path=ppt/slides/slide19.xml><?xml version="1.0" encoding="utf-8"?>
+<file path=ppt/slides/slide16.xml><?xml version="1.0" encoding="utf-8"?>
 <p:sld xmlns:a="http://schemas.openxmlformats.org/drawingml/2006/main" xmlns:r="http://schemas.openxmlformats.org/officeDocument/2006/relationships" xmlns:mc="http://schemas.openxmlformats.org/markup-compatibility/2006" xmlns:mv="urn:schemas-microsoft-com:mac:vml" xmlns:p="http://schemas.openxmlformats.org/presentationml/2006/main" xmlns:c="http://schemas.openxmlformats.org/drawingml/2006/chart" xmlns:dgm="http://schemas.openxmlformats.org/drawingml/2006/diagram" xmlns:o="urn:schemas-microsoft-com:office:office" xmlns:v="urn:schemas-microsoft-com:vml" xmlns:pvml="urn:schemas-microsoft-com:office:powerpoint" xmlns:com="http://schemas.openxmlformats.org/drawingml/2006/compatibility" xmlns:p14="http://schemas.microsoft.com/office/powerpoint/2010/main" xmlns:p15="http://schemas.microsoft.com/office/powerpoint/2012/main" xmlns:ahyp="http://schemas.microsoft.com/office/drawing/2018/hyperlinkcolor">
   <p:cSld>
     <p:spTree>
       <p:nvGrpSpPr>
-        <p:cNvPr id="188" name="Shape 188"/>
+        <p:cNvPr id="170" name="Shape 170"/>
         <p:cNvGrpSpPr/>
         <p:nvPr/>
       </p:nvGrpSpPr>
@@ -16159,7 +15386,7 @@
       </p:grpSpPr>
       <p:sp>
         <p:nvSpPr>
-          <p:cNvPr id="189" name="Google Shape;189;p31"/>
+          <p:cNvPr id="171" name="Google Shape;171;p28"/>
           <p:cNvSpPr txBox="1"/>
           <p:nvPr>
             <p:ph type="ctrTitle"/>
@@ -16208,7 +15435,7 @@
       </p:sp>
       <p:sp>
         <p:nvSpPr>
-          <p:cNvPr id="190" name="Google Shape;190;p31"/>
+          <p:cNvPr id="172" name="Google Shape;172;p28"/>
           <p:cNvSpPr txBox="1"/>
           <p:nvPr>
             <p:ph idx="1" type="subTitle"/>
@@ -16329,7 +15556,7 @@
       </p:sp>
       <p:pic>
         <p:nvPicPr>
-          <p:cNvPr id="191" name="Google Shape;191;p31"/>
+          <p:cNvPr id="173" name="Google Shape;173;p28"/>
           <p:cNvPicPr preferRelativeResize="0"/>
           <p:nvPr/>
         </p:nvPicPr>
@@ -16379,61 +15606,9 @@
           <a:chExt cx="0" cy="0"/>
         </a:xfrm>
       </p:grpSpPr>
-      <p:pic>
-        <p:nvPicPr>
-          <p:cNvPr id="90" name="Google Shape;90;p14"/>
-          <p:cNvPicPr preferRelativeResize="0"/>
-          <p:nvPr/>
-        </p:nvPicPr>
-        <p:blipFill rotWithShape="1">
-          <a:blip r:embed="rId3">
-            <a:alphaModFix/>
-          </a:blip>
-          <a:srcRect b="0" l="0" r="0" t="0"/>
-          <a:stretch/>
-        </p:blipFill>
-        <p:spPr>
-          <a:xfrm>
-            <a:off x="0" y="1181100"/>
-            <a:ext cx="9144000" cy="4485373"/>
-          </a:xfrm>
-          <a:prstGeom prst="rect">
-            <a:avLst/>
-          </a:prstGeom>
-          <a:noFill/>
-          <a:ln>
-            <a:noFill/>
-          </a:ln>
-        </p:spPr>
-      </p:pic>
-    </p:spTree>
-  </p:cSld>
-  <p:clrMapOvr>
-    <a:masterClrMapping/>
-  </p:clrMapOvr>
-</p:sld>
-</file>
-
-<file path=ppt/slides/slide3.xml><?xml version="1.0" encoding="utf-8"?>
-<p:sld xmlns:a="http://schemas.openxmlformats.org/drawingml/2006/main" xmlns:r="http://schemas.openxmlformats.org/officeDocument/2006/relationships" xmlns:mc="http://schemas.openxmlformats.org/markup-compatibility/2006" xmlns:mv="urn:schemas-microsoft-com:mac:vml" xmlns:p="http://schemas.openxmlformats.org/presentationml/2006/main" xmlns:c="http://schemas.openxmlformats.org/drawingml/2006/chart" xmlns:dgm="http://schemas.openxmlformats.org/drawingml/2006/diagram" xmlns:o="urn:schemas-microsoft-com:office:office" xmlns:v="urn:schemas-microsoft-com:vml" xmlns:pvml="urn:schemas-microsoft-com:office:powerpoint" xmlns:com="http://schemas.openxmlformats.org/drawingml/2006/compatibility" xmlns:p14="http://schemas.microsoft.com/office/powerpoint/2010/main" xmlns:p15="http://schemas.microsoft.com/office/powerpoint/2012/main" xmlns:ahyp="http://schemas.microsoft.com/office/drawing/2018/hyperlinkcolor">
-  <p:cSld>
-    <p:spTree>
-      <p:nvGrpSpPr>
-        <p:cNvPr id="94" name="Shape 94"/>
-        <p:cNvGrpSpPr/>
-        <p:nvPr/>
-      </p:nvGrpSpPr>
-      <p:grpSpPr>
-        <a:xfrm>
-          <a:off x="0" y="0"/>
-          <a:ext cx="0" cy="0"/>
-          <a:chOff x="0" y="0"/>
-          <a:chExt cx="0" cy="0"/>
-        </a:xfrm>
-      </p:grpSpPr>
       <p:sp>
         <p:nvSpPr>
-          <p:cNvPr id="95" name="Google Shape;95;p15"/>
+          <p:cNvPr id="90" name="Google Shape;90;p14"/>
           <p:cNvSpPr txBox="1"/>
           <p:nvPr>
             <p:ph type="title"/>
@@ -16482,7 +15657,7 @@
       </p:sp>
       <p:pic>
         <p:nvPicPr>
-          <p:cNvPr id="96" name="Google Shape;96;p15"/>
+          <p:cNvPr id="91" name="Google Shape;91;p14"/>
           <p:cNvPicPr preferRelativeResize="0"/>
           <p:nvPr/>
         </p:nvPicPr>
@@ -16515,12 +15690,12 @@
 </p:sld>
 </file>
 
-<file path=ppt/slides/slide4.xml><?xml version="1.0" encoding="utf-8"?>
+<file path=ppt/slides/slide3.xml><?xml version="1.0" encoding="utf-8"?>
 <p:sld xmlns:a="http://schemas.openxmlformats.org/drawingml/2006/main" xmlns:r="http://schemas.openxmlformats.org/officeDocument/2006/relationships" xmlns:mc="http://schemas.openxmlformats.org/markup-compatibility/2006" xmlns:mv="urn:schemas-microsoft-com:mac:vml" xmlns:p="http://schemas.openxmlformats.org/presentationml/2006/main" xmlns:c="http://schemas.openxmlformats.org/drawingml/2006/chart" xmlns:dgm="http://schemas.openxmlformats.org/drawingml/2006/diagram" xmlns:o="urn:schemas-microsoft-com:office:office" xmlns:v="urn:schemas-microsoft-com:vml" xmlns:pvml="urn:schemas-microsoft-com:office:powerpoint" xmlns:com="http://schemas.openxmlformats.org/drawingml/2006/compatibility" xmlns:p14="http://schemas.microsoft.com/office/powerpoint/2010/main" xmlns:p15="http://schemas.microsoft.com/office/powerpoint/2012/main" xmlns:ahyp="http://schemas.microsoft.com/office/drawing/2018/hyperlinkcolor">
   <p:cSld>
     <p:spTree>
       <p:nvGrpSpPr>
-        <p:cNvPr id="100" name="Shape 100"/>
+        <p:cNvPr id="95" name="Shape 95"/>
         <p:cNvGrpSpPr/>
         <p:nvPr/>
       </p:nvGrpSpPr>
@@ -16534,7 +15709,7 @@
       </p:grpSpPr>
       <p:sp>
         <p:nvSpPr>
-          <p:cNvPr id="101" name="Google Shape;101;p16"/>
+          <p:cNvPr id="96" name="Google Shape;96;p15"/>
           <p:cNvSpPr txBox="1"/>
           <p:nvPr>
             <p:ph type="title"/>
@@ -16575,24 +15750,29 @@
             </a:pPr>
             <a:r>
               <a:rPr lang="en-US"/>
-              <a:t>SOAP and WS-*</a:t>
+              <a:t>REST</a:t>
             </a:r>
             <a:endParaRPr/>
           </a:p>
         </p:txBody>
       </p:sp>
-      <p:sp>
-        <p:nvSpPr>
-          <p:cNvPr id="102" name="Google Shape;102;p16"/>
-          <p:cNvSpPr txBox="1"/>
-          <p:nvPr>
-            <p:ph idx="1" type="body"/>
-          </p:nvPr>
-        </p:nvSpPr>
+      <p:pic>
+        <p:nvPicPr>
+          <p:cNvPr id="97" name="Google Shape;97;p15"/>
+          <p:cNvPicPr preferRelativeResize="0"/>
+          <p:nvPr/>
+        </p:nvPicPr>
+        <p:blipFill rotWithShape="1">
+          <a:blip r:embed="rId3">
+            <a:alphaModFix/>
+          </a:blip>
+          <a:srcRect b="0" l="0" r="0" t="0"/>
+          <a:stretch/>
+        </p:blipFill>
         <p:spPr>
           <a:xfrm>
-            <a:off x="375635" y="1600200"/>
-            <a:ext cx="8229600" cy="4525963"/>
+            <a:off x="0" y="1526694"/>
+            <a:ext cx="9144000" cy="4543893"/>
           </a:xfrm>
           <a:prstGeom prst="rect">
             <a:avLst/>
@@ -16602,133 +15782,7 @@
             <a:noFill/>
           </a:ln>
         </p:spPr>
-        <p:txBody>
-          <a:bodyPr anchorCtr="0" anchor="t" bIns="45700" lIns="91425" spcFirstLastPara="1" rIns="91425" wrap="square" tIns="45700">
-            <a:normAutofit/>
-          </a:bodyPr>
-          <a:lstStyle/>
-          <a:p>
-            <a:pPr indent="-342900" lvl="0" marL="342900" rtl="0" algn="l">
-              <a:spcBef>
-                <a:spcPts val="0"/>
-              </a:spcBef>
-              <a:spcAft>
-                <a:spcPts val="0"/>
-              </a:spcAft>
-              <a:buClr>
-                <a:schemeClr val="dk1"/>
-              </a:buClr>
-              <a:buSzPts val="3200"/>
-              <a:buChar char="•"/>
-            </a:pPr>
-            <a:r>
-              <a:rPr lang="en-US"/>
-              <a:t>Composable</a:t>
-            </a:r>
-            <a:endParaRPr/>
-          </a:p>
-          <a:p>
-            <a:pPr indent="-285750" lvl="1" marL="742950" rtl="0" algn="l">
-              <a:spcBef>
-                <a:spcPts val="560"/>
-              </a:spcBef>
-              <a:spcAft>
-                <a:spcPts val="0"/>
-              </a:spcAft>
-              <a:buClr>
-                <a:schemeClr val="dk1"/>
-              </a:buClr>
-              <a:buSzPts val="2800"/>
-              <a:buChar char="–"/>
-            </a:pPr>
-            <a:r>
-              <a:rPr lang="en-US"/>
-              <a:t>WS-Security, ReliableMessaging, etc</a:t>
-            </a:r>
-            <a:endParaRPr/>
-          </a:p>
-          <a:p>
-            <a:pPr indent="-342900" lvl="0" marL="342900" rtl="0" algn="l">
-              <a:spcBef>
-                <a:spcPts val="640"/>
-              </a:spcBef>
-              <a:spcAft>
-                <a:spcPts val="0"/>
-              </a:spcAft>
-              <a:buClr>
-                <a:schemeClr val="dk1"/>
-              </a:buClr>
-              <a:buSzPts val="3200"/>
-              <a:buChar char="•"/>
-            </a:pPr>
-            <a:r>
-              <a:rPr lang="en-US"/>
-              <a:t>Transport independent</a:t>
-            </a:r>
-            <a:endParaRPr/>
-          </a:p>
-          <a:p>
-            <a:pPr indent="-342900" lvl="0" marL="342900" rtl="0" algn="l">
-              <a:spcBef>
-                <a:spcPts val="640"/>
-              </a:spcBef>
-              <a:spcAft>
-                <a:spcPts val="0"/>
-              </a:spcAft>
-              <a:buClr>
-                <a:schemeClr val="dk1"/>
-              </a:buClr>
-              <a:buSzPts val="3200"/>
-              <a:buChar char="•"/>
-            </a:pPr>
-            <a:r>
-              <a:rPr lang="en-US"/>
-              <a:t>Tooling</a:t>
-            </a:r>
-            <a:endParaRPr/>
-          </a:p>
-          <a:p>
-            <a:pPr indent="-342900" lvl="0" marL="342900" rtl="0" algn="l">
-              <a:spcBef>
-                <a:spcPts val="640"/>
-              </a:spcBef>
-              <a:spcAft>
-                <a:spcPts val="0"/>
-              </a:spcAft>
-              <a:buClr>
-                <a:schemeClr val="dk1"/>
-              </a:buClr>
-              <a:buSzPts val="3200"/>
-              <a:buChar char="•"/>
-            </a:pPr>
-            <a:r>
-              <a:rPr lang="en-US"/>
-              <a:t>Schemas and WSDLs</a:t>
-            </a:r>
-            <a:endParaRPr/>
-          </a:p>
-          <a:p>
-            <a:pPr indent="-285750" lvl="1" marL="742950" rtl="0" algn="l">
-              <a:spcBef>
-                <a:spcPts val="560"/>
-              </a:spcBef>
-              <a:spcAft>
-                <a:spcPts val="0"/>
-              </a:spcAft>
-              <a:buClr>
-                <a:schemeClr val="dk1"/>
-              </a:buClr>
-              <a:buSzPts val="2800"/>
-              <a:buChar char="–"/>
-            </a:pPr>
-            <a:r>
-              <a:rPr lang="en-US"/>
-              <a:t>Governance</a:t>
-            </a:r>
-            <a:endParaRPr/>
-          </a:p>
-        </p:txBody>
-      </p:sp>
+      </p:pic>
     </p:spTree>
   </p:cSld>
   <p:clrMapOvr>
@@ -16737,12 +15791,12 @@
 </p:sld>
 </file>
 
-<file path=ppt/slides/slide5.xml><?xml version="1.0" encoding="utf-8"?>
+<file path=ppt/slides/slide4.xml><?xml version="1.0" encoding="utf-8"?>
 <p:sld xmlns:a="http://schemas.openxmlformats.org/drawingml/2006/main" xmlns:r="http://schemas.openxmlformats.org/officeDocument/2006/relationships" xmlns:mc="http://schemas.openxmlformats.org/markup-compatibility/2006" xmlns:mv="urn:schemas-microsoft-com:mac:vml" xmlns:p="http://schemas.openxmlformats.org/presentationml/2006/main" xmlns:c="http://schemas.openxmlformats.org/drawingml/2006/chart" xmlns:dgm="http://schemas.openxmlformats.org/drawingml/2006/diagram" xmlns:o="urn:schemas-microsoft-com:office:office" xmlns:v="urn:schemas-microsoft-com:vml" xmlns:pvml="urn:schemas-microsoft-com:office:powerpoint" xmlns:com="http://schemas.openxmlformats.org/drawingml/2006/compatibility" xmlns:p14="http://schemas.microsoft.com/office/powerpoint/2010/main" xmlns:p15="http://schemas.microsoft.com/office/powerpoint/2012/main" xmlns:ahyp="http://schemas.microsoft.com/office/drawing/2018/hyperlinkcolor">
   <p:cSld>
     <p:spTree>
       <p:nvGrpSpPr>
-        <p:cNvPr id="106" name="Shape 106"/>
+        <p:cNvPr id="101" name="Shape 101"/>
         <p:cNvGrpSpPr/>
         <p:nvPr/>
       </p:nvGrpSpPr>
@@ -16756,7 +15810,7 @@
       </p:grpSpPr>
       <p:sp>
         <p:nvSpPr>
-          <p:cNvPr id="107" name="Google Shape;107;p17"/>
+          <p:cNvPr id="102" name="Google Shape;102;p16"/>
           <p:cNvSpPr txBox="1"/>
           <p:nvPr>
             <p:ph type="title"/>
@@ -16797,12 +15851,64 @@
             </a:pPr>
             <a:r>
               <a:rPr lang="en-US"/>
-              <a:t>REST</a:t>
+              <a:t>HATEOAS</a:t>
             </a:r>
             <a:endParaRPr/>
           </a:p>
         </p:txBody>
       </p:sp>
+      <p:pic>
+        <p:nvPicPr>
+          <p:cNvPr id="103" name="Google Shape;103;p16"/>
+          <p:cNvPicPr preferRelativeResize="0"/>
+          <p:nvPr/>
+        </p:nvPicPr>
+        <p:blipFill rotWithShape="1">
+          <a:blip r:embed="rId3">
+            <a:alphaModFix/>
+          </a:blip>
+          <a:srcRect b="0" l="0" r="0" t="0"/>
+          <a:stretch/>
+        </p:blipFill>
+        <p:spPr>
+          <a:xfrm>
+            <a:off x="457200" y="1417637"/>
+            <a:ext cx="8282262" cy="3445421"/>
+          </a:xfrm>
+          <a:prstGeom prst="rect">
+            <a:avLst/>
+          </a:prstGeom>
+          <a:noFill/>
+          <a:ln>
+            <a:noFill/>
+          </a:ln>
+        </p:spPr>
+      </p:pic>
+    </p:spTree>
+  </p:cSld>
+  <p:clrMapOvr>
+    <a:masterClrMapping/>
+  </p:clrMapOvr>
+</p:sld>
+</file>
+
+<file path=ppt/slides/slide5.xml><?xml version="1.0" encoding="utf-8"?>
+<p:sld xmlns:a="http://schemas.openxmlformats.org/drawingml/2006/main" xmlns:r="http://schemas.openxmlformats.org/officeDocument/2006/relationships" xmlns:mc="http://schemas.openxmlformats.org/markup-compatibility/2006" xmlns:mv="urn:schemas-microsoft-com:mac:vml" xmlns:p="http://schemas.openxmlformats.org/presentationml/2006/main" xmlns:c="http://schemas.openxmlformats.org/drawingml/2006/chart" xmlns:dgm="http://schemas.openxmlformats.org/drawingml/2006/diagram" xmlns:o="urn:schemas-microsoft-com:office:office" xmlns:v="urn:schemas-microsoft-com:vml" xmlns:pvml="urn:schemas-microsoft-com:office:powerpoint" xmlns:com="http://schemas.openxmlformats.org/drawingml/2006/compatibility" xmlns:p14="http://schemas.microsoft.com/office/powerpoint/2010/main" xmlns:p15="http://schemas.microsoft.com/office/powerpoint/2012/main" xmlns:ahyp="http://schemas.microsoft.com/office/drawing/2018/hyperlinkcolor">
+  <p:cSld>
+    <p:spTree>
+      <p:nvGrpSpPr>
+        <p:cNvPr id="107" name="Shape 107"/>
+        <p:cNvGrpSpPr/>
+        <p:nvPr/>
+      </p:nvGrpSpPr>
+      <p:grpSpPr>
+        <a:xfrm>
+          <a:off x="0" y="0"/>
+          <a:ext cx="0" cy="0"/>
+          <a:chOff x="0" y="0"/>
+          <a:chExt cx="0" cy="0"/>
+        </a:xfrm>
+      </p:grpSpPr>
       <p:pic>
         <p:nvPicPr>
           <p:cNvPr id="108" name="Google Shape;108;p17"/>
@@ -16818,8 +15924,8 @@
         </p:blipFill>
         <p:spPr>
           <a:xfrm>
-            <a:off x="0" y="1526694"/>
-            <a:ext cx="9144000" cy="4543893"/>
+            <a:off x="2146300" y="0"/>
+            <a:ext cx="4846346" cy="6858000"/>
           </a:xfrm>
           <a:prstGeom prst="rect">
             <a:avLst/>
@@ -16898,29 +16004,24 @@
             </a:pPr>
             <a:r>
               <a:rPr lang="en-US"/>
-              <a:t>HATEOAS</a:t>
+              <a:t>Design Governance</a:t>
             </a:r>
             <a:endParaRPr/>
           </a:p>
         </p:txBody>
       </p:sp>
-      <p:pic>
-        <p:nvPicPr>
+      <p:sp>
+        <p:nvSpPr>
           <p:cNvPr id="114" name="Google Shape;114;p18"/>
-          <p:cNvPicPr preferRelativeResize="0"/>
-          <p:nvPr/>
-        </p:nvPicPr>
-        <p:blipFill rotWithShape="1">
-          <a:blip r:embed="rId3">
-            <a:alphaModFix/>
-          </a:blip>
-          <a:srcRect b="0" l="0" r="0" t="0"/>
-          <a:stretch/>
-        </p:blipFill>
+          <p:cNvSpPr txBox="1"/>
+          <p:nvPr>
+            <p:ph idx="1" type="body"/>
+          </p:nvPr>
+        </p:nvSpPr>
         <p:spPr>
           <a:xfrm>
-            <a:off x="457200" y="1417637"/>
-            <a:ext cx="8282262" cy="3445421"/>
+            <a:off x="375635" y="1600200"/>
+            <a:ext cx="8229600" cy="4525963"/>
           </a:xfrm>
           <a:prstGeom prst="rect">
             <a:avLst/>
@@ -16930,7 +16031,93 @@
             <a:noFill/>
           </a:ln>
         </p:spPr>
-      </p:pic>
+        <p:txBody>
+          <a:bodyPr anchorCtr="0" anchor="t" bIns="45700" lIns="91425" spcFirstLastPara="1" rIns="91425" wrap="square" tIns="45700">
+            <a:normAutofit/>
+          </a:bodyPr>
+          <a:lstStyle/>
+          <a:p>
+            <a:pPr indent="-342900" lvl="0" marL="342900" rtl="0" algn="l">
+              <a:spcBef>
+                <a:spcPts val="0"/>
+              </a:spcBef>
+              <a:spcAft>
+                <a:spcPts val="0"/>
+              </a:spcAft>
+              <a:buClr>
+                <a:schemeClr val="dk1"/>
+              </a:buClr>
+              <a:buSzPts val="3200"/>
+              <a:buChar char="•"/>
+            </a:pPr>
+            <a:r>
+              <a:rPr lang="en-US"/>
+              <a:t>Interfacing SOA into the build/test/production</a:t>
+            </a:r>
+            <a:endParaRPr/>
+          </a:p>
+          <a:p>
+            <a:pPr indent="-342900" lvl="0" marL="342900" rtl="0" algn="l">
+              <a:spcBef>
+                <a:spcPts val="640"/>
+              </a:spcBef>
+              <a:spcAft>
+                <a:spcPts val="0"/>
+              </a:spcAft>
+              <a:buClr>
+                <a:schemeClr val="dk1"/>
+              </a:buClr>
+              <a:buSzPts val="3200"/>
+              <a:buChar char="•"/>
+            </a:pPr>
+            <a:r>
+              <a:rPr lang="en-US"/>
+              <a:t>Encouraging Service Re-Use</a:t>
+            </a:r>
+            <a:endParaRPr/>
+          </a:p>
+          <a:p>
+            <a:pPr indent="-342900" lvl="0" marL="342900" rtl="0" algn="l">
+              <a:spcBef>
+                <a:spcPts val="640"/>
+              </a:spcBef>
+              <a:spcAft>
+                <a:spcPts val="0"/>
+              </a:spcAft>
+              <a:buClr>
+                <a:schemeClr val="dk1"/>
+              </a:buClr>
+              <a:buSzPts val="3200"/>
+              <a:buChar char="•"/>
+            </a:pPr>
+            <a:r>
+              <a:rPr lang="en-US"/>
+              <a:t>Lifecycle and Dependency Management</a:t>
+            </a:r>
+            <a:endParaRPr/>
+          </a:p>
+          <a:p>
+            <a:pPr indent="-342900" lvl="0" marL="342900" rtl="0" algn="l">
+              <a:spcBef>
+                <a:spcPts val="640"/>
+              </a:spcBef>
+              <a:spcAft>
+                <a:spcPts val="0"/>
+              </a:spcAft>
+              <a:buClr>
+                <a:schemeClr val="dk1"/>
+              </a:buClr>
+              <a:buSzPts val="3200"/>
+              <a:buChar char="•"/>
+            </a:pPr>
+            <a:r>
+              <a:rPr lang="en-US"/>
+              <a:t>Notification</a:t>
+            </a:r>
+            <a:endParaRPr/>
+          </a:p>
+        </p:txBody>
+      </p:sp>
     </p:spTree>
   </p:cSld>
   <p:clrMapOvr>
@@ -16956,61 +16143,9 @@
           <a:chExt cx="0" cy="0"/>
         </a:xfrm>
       </p:grpSpPr>
-      <p:pic>
-        <p:nvPicPr>
-          <p:cNvPr id="119" name="Google Shape;119;p19"/>
-          <p:cNvPicPr preferRelativeResize="0"/>
-          <p:nvPr/>
-        </p:nvPicPr>
-        <p:blipFill rotWithShape="1">
-          <a:blip r:embed="rId3">
-            <a:alphaModFix/>
-          </a:blip>
-          <a:srcRect b="0" l="0" r="0" t="0"/>
-          <a:stretch/>
-        </p:blipFill>
-        <p:spPr>
-          <a:xfrm>
-            <a:off x="2146300" y="0"/>
-            <a:ext cx="4846346" cy="6858000"/>
-          </a:xfrm>
-          <a:prstGeom prst="rect">
-            <a:avLst/>
-          </a:prstGeom>
-          <a:noFill/>
-          <a:ln>
-            <a:noFill/>
-          </a:ln>
-        </p:spPr>
-      </p:pic>
-    </p:spTree>
-  </p:cSld>
-  <p:clrMapOvr>
-    <a:masterClrMapping/>
-  </p:clrMapOvr>
-</p:sld>
-</file>
-
-<file path=ppt/slides/slide8.xml><?xml version="1.0" encoding="utf-8"?>
-<p:sld xmlns:a="http://schemas.openxmlformats.org/drawingml/2006/main" xmlns:r="http://schemas.openxmlformats.org/officeDocument/2006/relationships" xmlns:mc="http://schemas.openxmlformats.org/markup-compatibility/2006" xmlns:mv="urn:schemas-microsoft-com:mac:vml" xmlns:p="http://schemas.openxmlformats.org/presentationml/2006/main" xmlns:c="http://schemas.openxmlformats.org/drawingml/2006/chart" xmlns:dgm="http://schemas.openxmlformats.org/drawingml/2006/diagram" xmlns:o="urn:schemas-microsoft-com:office:office" xmlns:v="urn:schemas-microsoft-com:vml" xmlns:pvml="urn:schemas-microsoft-com:office:powerpoint" xmlns:com="http://schemas.openxmlformats.org/drawingml/2006/compatibility" xmlns:p14="http://schemas.microsoft.com/office/powerpoint/2010/main" xmlns:p15="http://schemas.microsoft.com/office/powerpoint/2012/main" xmlns:ahyp="http://schemas.microsoft.com/office/drawing/2018/hyperlinkcolor">
-  <p:cSld>
-    <p:spTree>
-      <p:nvGrpSpPr>
-        <p:cNvPr id="123" name="Shape 123"/>
-        <p:cNvGrpSpPr/>
-        <p:nvPr/>
-      </p:nvGrpSpPr>
-      <p:grpSpPr>
-        <a:xfrm>
-          <a:off x="0" y="0"/>
-          <a:ext cx="0" cy="0"/>
-          <a:chOff x="0" y="0"/>
-          <a:chExt cx="0" cy="0"/>
-        </a:xfrm>
-      </p:grpSpPr>
       <p:sp>
         <p:nvSpPr>
-          <p:cNvPr id="124" name="Google Shape;124;p20"/>
+          <p:cNvPr id="119" name="Google Shape;119;p19"/>
           <p:cNvSpPr txBox="1"/>
           <p:nvPr>
             <p:ph type="title"/>
@@ -17051,7 +16186,7 @@
             </a:pPr>
             <a:r>
               <a:rPr lang="en-US"/>
-              <a:t>Design Governance</a:t>
+              <a:t>Runtime Governance</a:t>
             </a:r>
             <a:endParaRPr/>
           </a:p>
@@ -17059,7 +16194,7 @@
       </p:sp>
       <p:sp>
         <p:nvSpPr>
-          <p:cNvPr id="125" name="Google Shape;125;p20"/>
+          <p:cNvPr id="120" name="Google Shape;120;p19"/>
           <p:cNvSpPr txBox="1"/>
           <p:nvPr>
             <p:ph idx="1" type="body"/>
@@ -17099,7 +16234,7 @@
             </a:pPr>
             <a:r>
               <a:rPr lang="en-US"/>
-              <a:t>Interfacing SOA into the build/test/production</a:t>
+              <a:t>Monitoring</a:t>
             </a:r>
             <a:endParaRPr/>
           </a:p>
@@ -17119,7 +16254,7 @@
             </a:pPr>
             <a:r>
               <a:rPr lang="en-US"/>
-              <a:t>Encouraging Service Re-Use</a:t>
+              <a:t>SLA management</a:t>
             </a:r>
             <a:endParaRPr/>
           </a:p>
@@ -17139,7 +16274,7 @@
             </a:pPr>
             <a:r>
               <a:rPr lang="en-US"/>
-              <a:t>Lifecycle and Dependency Management</a:t>
+              <a:t>Correlation of activities into flows</a:t>
             </a:r>
             <a:endParaRPr/>
           </a:p>
@@ -17159,7 +16294,26 @@
             </a:pPr>
             <a:r>
               <a:rPr lang="en-US"/>
-              <a:t>Notification</a:t>
+              <a:t>How do you maintain a running application when it depends on 10s, 100s or 1000s of remote services?</a:t>
+            </a:r>
+            <a:endParaRPr/>
+          </a:p>
+          <a:p>
+            <a:pPr indent="0" lvl="0" marL="0" rtl="0" algn="l">
+              <a:spcBef>
+                <a:spcPts val="640"/>
+              </a:spcBef>
+              <a:spcAft>
+                <a:spcPts val="0"/>
+              </a:spcAft>
+              <a:buClr>
+                <a:schemeClr val="dk1"/>
+              </a:buClr>
+              <a:buSzPts val="3200"/>
+              <a:buNone/>
+            </a:pPr>
+            <a:r>
+              <a:t/>
             </a:r>
             <a:endParaRPr/>
           </a:p>
@@ -17173,12 +16327,12 @@
 </p:sld>
 </file>
 
-<file path=ppt/slides/slide9.xml><?xml version="1.0" encoding="utf-8"?>
+<file path=ppt/slides/slide8.xml><?xml version="1.0" encoding="utf-8"?>
 <p:sld xmlns:a="http://schemas.openxmlformats.org/drawingml/2006/main" xmlns:r="http://schemas.openxmlformats.org/officeDocument/2006/relationships" xmlns:mc="http://schemas.openxmlformats.org/markup-compatibility/2006" xmlns:mv="urn:schemas-microsoft-com:mac:vml" xmlns:p="http://schemas.openxmlformats.org/presentationml/2006/main" xmlns:c="http://schemas.openxmlformats.org/drawingml/2006/chart" xmlns:dgm="http://schemas.openxmlformats.org/drawingml/2006/diagram" xmlns:o="urn:schemas-microsoft-com:office:office" xmlns:v="urn:schemas-microsoft-com:vml" xmlns:pvml="urn:schemas-microsoft-com:office:powerpoint" xmlns:com="http://schemas.openxmlformats.org/drawingml/2006/compatibility" xmlns:p14="http://schemas.microsoft.com/office/powerpoint/2010/main" xmlns:p15="http://schemas.microsoft.com/office/powerpoint/2012/main" xmlns:ahyp="http://schemas.microsoft.com/office/drawing/2018/hyperlinkcolor">
   <p:cSld>
     <p:spTree>
       <p:nvGrpSpPr>
-        <p:cNvPr id="129" name="Shape 129"/>
+        <p:cNvPr id="124" name="Shape 124"/>
         <p:cNvGrpSpPr/>
         <p:nvPr/>
       </p:nvGrpSpPr>
@@ -17192,7 +16346,7 @@
       </p:grpSpPr>
       <p:sp>
         <p:nvSpPr>
-          <p:cNvPr id="130" name="Google Shape;130;p21"/>
+          <p:cNvPr id="125" name="Google Shape;125;p20"/>
           <p:cNvSpPr txBox="1"/>
           <p:nvPr>
             <p:ph type="title"/>
@@ -17233,7 +16387,7 @@
             </a:pPr>
             <a:r>
               <a:rPr lang="en-US"/>
-              <a:t>Runtime Governance</a:t>
+              <a:t>Services vs APIs</a:t>
             </a:r>
             <a:endParaRPr/>
           </a:p>
@@ -17241,7 +16395,7 @@
       </p:sp>
       <p:sp>
         <p:nvSpPr>
-          <p:cNvPr id="131" name="Google Shape;131;p21"/>
+          <p:cNvPr id="126" name="Google Shape;126;p20"/>
           <p:cNvSpPr txBox="1"/>
           <p:nvPr>
             <p:ph idx="1" type="body"/>
@@ -17281,86 +16435,208 @@
             </a:pPr>
             <a:r>
               <a:rPr lang="en-US"/>
-              <a:t>Monitoring</a:t>
+              <a:t>Focus on the consumer</a:t>
             </a:r>
             <a:endParaRPr/>
           </a:p>
           <a:p>
-            <a:pPr indent="-342900" lvl="0" marL="342900" rtl="0" algn="l">
-              <a:spcBef>
-                <a:spcPts val="640"/>
-              </a:spcBef>
-              <a:spcAft>
-                <a:spcPts val="0"/>
-              </a:spcAft>
-              <a:buClr>
-                <a:schemeClr val="dk1"/>
-              </a:buClr>
-              <a:buSzPts val="3200"/>
-              <a:buChar char="•"/>
+            <a:pPr indent="-285750" lvl="1" marL="742950" rtl="0" algn="l">
+              <a:spcBef>
+                <a:spcPts val="560"/>
+              </a:spcBef>
+              <a:spcAft>
+                <a:spcPts val="0"/>
+              </a:spcAft>
+              <a:buClr>
+                <a:schemeClr val="dk1"/>
+              </a:buClr>
+              <a:buSzPts val="2800"/>
+              <a:buChar char="–"/>
             </a:pPr>
             <a:r>
               <a:rPr lang="en-US"/>
-              <a:t>SLA management</a:t>
+              <a:t>Self-signup and subscription</a:t>
             </a:r>
             <a:endParaRPr/>
           </a:p>
           <a:p>
-            <a:pPr indent="-342900" lvl="0" marL="342900" rtl="0" algn="l">
-              <a:spcBef>
-                <a:spcPts val="640"/>
-              </a:spcBef>
-              <a:spcAft>
-                <a:spcPts val="0"/>
-              </a:spcAft>
-              <a:buClr>
-                <a:schemeClr val="dk1"/>
-              </a:buClr>
-              <a:buSzPts val="3200"/>
-              <a:buChar char="•"/>
+            <a:pPr indent="-285750" lvl="1" marL="742950" rtl="0" algn="l">
+              <a:spcBef>
+                <a:spcPts val="560"/>
+              </a:spcBef>
+              <a:spcAft>
+                <a:spcPts val="0"/>
+              </a:spcAft>
+              <a:buClr>
+                <a:schemeClr val="dk1"/>
+              </a:buClr>
+              <a:buSzPts val="2800"/>
+              <a:buChar char="–"/>
             </a:pPr>
             <a:r>
               <a:rPr lang="en-US"/>
-              <a:t>Correlation of activities into flows</a:t>
+              <a:t>Tracking and usage</a:t>
             </a:r>
             <a:endParaRPr/>
           </a:p>
           <a:p>
-            <a:pPr indent="-342900" lvl="0" marL="342900" rtl="0" algn="l">
-              <a:spcBef>
-                <a:spcPts val="640"/>
-              </a:spcBef>
-              <a:spcAft>
-                <a:spcPts val="0"/>
-              </a:spcAft>
-              <a:buClr>
-                <a:schemeClr val="dk1"/>
-              </a:buClr>
-              <a:buSzPts val="3200"/>
-              <a:buChar char="•"/>
+            <a:pPr indent="-285750" lvl="1" marL="742950" rtl="0" algn="l">
+              <a:spcBef>
+                <a:spcPts val="560"/>
+              </a:spcBef>
+              <a:spcAft>
+                <a:spcPts val="0"/>
+              </a:spcAft>
+              <a:buClr>
+                <a:schemeClr val="dk1"/>
+              </a:buClr>
+              <a:buSzPts val="2800"/>
+              <a:buChar char="–"/>
             </a:pPr>
             <a:r>
               <a:rPr lang="en-US"/>
-              <a:t>How do you maintain a running application when it depends on 10s, 100s or 1000s of remote services?</a:t>
+              <a:t>Developer portals and ease-of-use</a:t>
             </a:r>
             <a:endParaRPr/>
           </a:p>
           <a:p>
-            <a:pPr indent="0" lvl="0" marL="0" rtl="0" algn="l">
-              <a:spcBef>
-                <a:spcPts val="640"/>
-              </a:spcBef>
-              <a:spcAft>
-                <a:spcPts val="0"/>
-              </a:spcAft>
-              <a:buClr>
-                <a:schemeClr val="dk1"/>
-              </a:buClr>
-              <a:buSzPts val="3200"/>
+            <a:pPr indent="-285750" lvl="1" marL="742950" rtl="0" algn="l">
+              <a:spcBef>
+                <a:spcPts val="560"/>
+              </a:spcBef>
+              <a:spcAft>
+                <a:spcPts val="0"/>
+              </a:spcAft>
+              <a:buClr>
+                <a:schemeClr val="dk1"/>
+              </a:buClr>
+              <a:buSzPts val="2800"/>
+              <a:buChar char="–"/>
+            </a:pPr>
+            <a:r>
+              <a:rPr lang="en-US"/>
+              <a:t>Monetization</a:t>
+            </a:r>
+            <a:endParaRPr/>
+          </a:p>
+          <a:p>
+            <a:pPr indent="0" lvl="1" marL="457200" rtl="0" algn="l">
+              <a:spcBef>
+                <a:spcPts val="560"/>
+              </a:spcBef>
+              <a:spcAft>
+                <a:spcPts val="0"/>
+              </a:spcAft>
+              <a:buClr>
+                <a:schemeClr val="dk1"/>
+              </a:buClr>
+              <a:buSzPts val="2800"/>
               <a:buNone/>
             </a:pPr>
             <a:r>
               <a:t/>
+            </a:r>
+            <a:endParaRPr/>
+          </a:p>
+        </p:txBody>
+      </p:sp>
+    </p:spTree>
+  </p:cSld>
+  <p:clrMapOvr>
+    <a:masterClrMapping/>
+  </p:clrMapOvr>
+</p:sld>
+</file>
+
+<file path=ppt/slides/slide9.xml><?xml version="1.0" encoding="utf-8"?>
+<p:sld xmlns:a="http://schemas.openxmlformats.org/drawingml/2006/main" xmlns:r="http://schemas.openxmlformats.org/officeDocument/2006/relationships" xmlns:mc="http://schemas.openxmlformats.org/markup-compatibility/2006" xmlns:mv="urn:schemas-microsoft-com:mac:vml" xmlns:p="http://schemas.openxmlformats.org/presentationml/2006/main" xmlns:c="http://schemas.openxmlformats.org/drawingml/2006/chart" xmlns:dgm="http://schemas.openxmlformats.org/drawingml/2006/diagram" xmlns:o="urn:schemas-microsoft-com:office:office" xmlns:v="urn:schemas-microsoft-com:vml" xmlns:pvml="urn:schemas-microsoft-com:office:powerpoint" xmlns:com="http://schemas.openxmlformats.org/drawingml/2006/compatibility" xmlns:p14="http://schemas.microsoft.com/office/powerpoint/2010/main" xmlns:p15="http://schemas.microsoft.com/office/powerpoint/2012/main" xmlns:ahyp="http://schemas.microsoft.com/office/drawing/2018/hyperlinkcolor">
+  <p:cSld>
+    <p:spTree>
+      <p:nvGrpSpPr>
+        <p:cNvPr id="130" name="Shape 130"/>
+        <p:cNvGrpSpPr/>
+        <p:nvPr/>
+      </p:nvGrpSpPr>
+      <p:grpSpPr>
+        <a:xfrm>
+          <a:off x="0" y="0"/>
+          <a:ext cx="0" cy="0"/>
+          <a:chOff x="0" y="0"/>
+          <a:chExt cx="0" cy="0"/>
+        </a:xfrm>
+      </p:grpSpPr>
+      <p:pic>
+        <p:nvPicPr>
+          <p:cNvPr id="131" name="Google Shape;131;p21"/>
+          <p:cNvPicPr preferRelativeResize="0"/>
+          <p:nvPr/>
+        </p:nvPicPr>
+        <p:blipFill rotWithShape="1">
+          <a:blip r:embed="rId3">
+            <a:alphaModFix/>
+          </a:blip>
+          <a:srcRect b="0" l="0" r="0" t="0"/>
+          <a:stretch/>
+        </p:blipFill>
+        <p:spPr>
+          <a:xfrm>
+            <a:off x="19538" y="990600"/>
+            <a:ext cx="9144000" cy="4869180"/>
+          </a:xfrm>
+          <a:prstGeom prst="rect">
+            <a:avLst/>
+          </a:prstGeom>
+          <a:noFill/>
+          <a:ln>
+            <a:noFill/>
+          </a:ln>
+        </p:spPr>
+      </p:pic>
+      <p:sp>
+        <p:nvSpPr>
+          <p:cNvPr id="132" name="Google Shape;132;p21"/>
+          <p:cNvSpPr txBox="1"/>
+          <p:nvPr/>
+        </p:nvSpPr>
+        <p:spPr>
+          <a:xfrm>
+            <a:off x="359473" y="5807561"/>
+            <a:ext cx="1351652" cy="369332"/>
+          </a:xfrm>
+          <a:prstGeom prst="rect">
+            <a:avLst/>
+          </a:prstGeom>
+          <a:noFill/>
+          <a:ln>
+            <a:noFill/>
+          </a:ln>
+        </p:spPr>
+        <p:txBody>
+          <a:bodyPr anchorCtr="0" anchor="t" bIns="45700" lIns="91425" spcFirstLastPara="1" rIns="91425" wrap="square" tIns="45700">
+            <a:spAutoFit/>
+          </a:bodyPr>
+          <a:lstStyle/>
+          <a:p>
+            <a:pPr indent="0" lvl="0" marL="0" marR="0" rtl="0" algn="l">
+              <a:spcBef>
+                <a:spcPts val="0"/>
+              </a:spcBef>
+              <a:spcAft>
+                <a:spcPts val="0"/>
+              </a:spcAft>
+              <a:buNone/>
+            </a:pPr>
+            <a:r>
+              <a:rPr lang="en-US" sz="1800">
+                <a:solidFill>
+                  <a:schemeClr val="dk1"/>
+                </a:solidFill>
+                <a:latin typeface="Calibri"/>
+                <a:ea typeface="Calibri"/>
+                <a:cs typeface="Calibri"/>
+                <a:sym typeface="Calibri"/>
+              </a:rPr>
+              <a:t>Source: PwC</a:t>
             </a:r>
             <a:endParaRPr/>
           </a:p>
